--- a/Images/fig2.pptx
+++ b/Images/fig2.pptx
@@ -197,7 +197,7 @@
           <a:p>
             <a:fld id="{D34CEA9E-E5A5-49C8-A578-AF124664FEC0}" type="datetimeFigureOut">
               <a:rPr lang="en-US" smtClean="0"/>
-              <a:t>6/21/2021</a:t>
+              <a:t>8/9/2021</a:t>
             </a:fld>
             <a:endParaRPr lang="en-US"/>
           </a:p>
@@ -684,7 +684,7 @@
           <a:p>
             <a:fld id="{BA05AF01-4F0E-4718-A4C1-DFCBB47EE5F2}" type="datetimeFigureOut">
               <a:rPr lang="en-US" smtClean="0"/>
-              <a:t>6/21/2021</a:t>
+              <a:t>8/9/2021</a:t>
             </a:fld>
             <a:endParaRPr lang="en-US"/>
           </a:p>
@@ -854,7 +854,7 @@
           <a:p>
             <a:fld id="{BA05AF01-4F0E-4718-A4C1-DFCBB47EE5F2}" type="datetimeFigureOut">
               <a:rPr lang="en-US" smtClean="0"/>
-              <a:t>6/21/2021</a:t>
+              <a:t>8/9/2021</a:t>
             </a:fld>
             <a:endParaRPr lang="en-US"/>
           </a:p>
@@ -1034,7 +1034,7 @@
           <a:p>
             <a:fld id="{BA05AF01-4F0E-4718-A4C1-DFCBB47EE5F2}" type="datetimeFigureOut">
               <a:rPr lang="en-US" smtClean="0"/>
-              <a:t>6/21/2021</a:t>
+              <a:t>8/9/2021</a:t>
             </a:fld>
             <a:endParaRPr lang="en-US"/>
           </a:p>
@@ -1204,7 +1204,7 @@
           <a:p>
             <a:fld id="{BA05AF01-4F0E-4718-A4C1-DFCBB47EE5F2}" type="datetimeFigureOut">
               <a:rPr lang="en-US" smtClean="0"/>
-              <a:t>6/21/2021</a:t>
+              <a:t>8/9/2021</a:t>
             </a:fld>
             <a:endParaRPr lang="en-US"/>
           </a:p>
@@ -1448,7 +1448,7 @@
           <a:p>
             <a:fld id="{BA05AF01-4F0E-4718-A4C1-DFCBB47EE5F2}" type="datetimeFigureOut">
               <a:rPr lang="en-US" smtClean="0"/>
-              <a:t>6/21/2021</a:t>
+              <a:t>8/9/2021</a:t>
             </a:fld>
             <a:endParaRPr lang="en-US"/>
           </a:p>
@@ -1680,7 +1680,7 @@
           <a:p>
             <a:fld id="{BA05AF01-4F0E-4718-A4C1-DFCBB47EE5F2}" type="datetimeFigureOut">
               <a:rPr lang="en-US" smtClean="0"/>
-              <a:t>6/21/2021</a:t>
+              <a:t>8/9/2021</a:t>
             </a:fld>
             <a:endParaRPr lang="en-US"/>
           </a:p>
@@ -2047,7 +2047,7 @@
           <a:p>
             <a:fld id="{BA05AF01-4F0E-4718-A4C1-DFCBB47EE5F2}" type="datetimeFigureOut">
               <a:rPr lang="en-US" smtClean="0"/>
-              <a:t>6/21/2021</a:t>
+              <a:t>8/9/2021</a:t>
             </a:fld>
             <a:endParaRPr lang="en-US"/>
           </a:p>
@@ -2165,7 +2165,7 @@
           <a:p>
             <a:fld id="{BA05AF01-4F0E-4718-A4C1-DFCBB47EE5F2}" type="datetimeFigureOut">
               <a:rPr lang="en-US" smtClean="0"/>
-              <a:t>6/21/2021</a:t>
+              <a:t>8/9/2021</a:t>
             </a:fld>
             <a:endParaRPr lang="en-US"/>
           </a:p>
@@ -2260,7 +2260,7 @@
           <a:p>
             <a:fld id="{BA05AF01-4F0E-4718-A4C1-DFCBB47EE5F2}" type="datetimeFigureOut">
               <a:rPr lang="en-US" smtClean="0"/>
-              <a:t>6/21/2021</a:t>
+              <a:t>8/9/2021</a:t>
             </a:fld>
             <a:endParaRPr lang="en-US"/>
           </a:p>
@@ -2537,7 +2537,7 @@
           <a:p>
             <a:fld id="{BA05AF01-4F0E-4718-A4C1-DFCBB47EE5F2}" type="datetimeFigureOut">
               <a:rPr lang="en-US" smtClean="0"/>
-              <a:t>6/21/2021</a:t>
+              <a:t>8/9/2021</a:t>
             </a:fld>
             <a:endParaRPr lang="en-US"/>
           </a:p>
@@ -2794,7 +2794,7 @@
           <a:p>
             <a:fld id="{BA05AF01-4F0E-4718-A4C1-DFCBB47EE5F2}" type="datetimeFigureOut">
               <a:rPr lang="en-US" smtClean="0"/>
-              <a:t>6/21/2021</a:t>
+              <a:t>8/9/2021</a:t>
             </a:fld>
             <a:endParaRPr lang="en-US"/>
           </a:p>
@@ -3007,7 +3007,7 @@
           <a:p>
             <a:fld id="{BA05AF01-4F0E-4718-A4C1-DFCBB47EE5F2}" type="datetimeFigureOut">
               <a:rPr lang="en-US" smtClean="0"/>
-              <a:t>6/21/2021</a:t>
+              <a:t>8/9/2021</a:t>
             </a:fld>
             <a:endParaRPr lang="en-US"/>
           </a:p>
@@ -3440,7 +3440,7 @@
         </p:blipFill>
         <p:spPr>
           <a:xfrm>
-            <a:off x="94883" y="333334"/>
+            <a:off x="0" y="45341"/>
             <a:ext cx="9615516" cy="9615516"/>
           </a:xfrm>
           <a:prstGeom prst="rect">
@@ -3658,7 +3658,7 @@
           <p:nvPr>
             <p:extLst>
               <p:ext uri="{D42A27DB-BD31-4B8C-83A1-F6EECF244321}">
-                <p14:modId xmlns:p14="http://schemas.microsoft.com/office/powerpoint/2010/main" val="1830517372"/>
+                <p14:modId xmlns:p14="http://schemas.microsoft.com/office/powerpoint/2010/main" val="3647282881"/>
               </p:ext>
             </p:extLst>
           </p:nvPr>
@@ -3697,7 +3697,7 @@
                     <a:p>
                       <a:pPr algn="ctr"/>
                       <a:r>
-                        <a:rPr lang="en-US" sz="1800" dirty="0">
+                        <a:rPr lang="en-US" sz="1800" b="0" dirty="0">
                           <a:latin typeface="Times New Roman" panose="02020603050405020304" pitchFamily="18" charset="0"/>
                           <a:cs typeface="Times New Roman" panose="02020603050405020304" pitchFamily="18" charset="0"/>
                         </a:rPr>
@@ -3972,7 +3972,7 @@
         </p:nvSpPr>
         <p:spPr>
           <a:xfrm>
-            <a:off x="411986" y="260566"/>
+            <a:off x="114130" y="-20245"/>
             <a:ext cx="1974199" cy="584775"/>
           </a:xfrm>
           <a:prstGeom prst="rect">
@@ -3996,12 +3996,209 @@
           </a:p>
         </p:txBody>
       </p:sp>
+      <p:pic>
+        <p:nvPicPr>
+          <p:cNvPr id="50" name="Picture 49" descr="Chart, histogram&#10;&#10;Description automatically generated">
+            <a:extLst>
+              <a:ext uri="{FF2B5EF4-FFF2-40B4-BE49-F238E27FC236}">
+                <a16:creationId xmlns:a16="http://schemas.microsoft.com/office/drawing/2014/main" id="{B6225345-7B8E-456D-BE90-E04427DEB5B4}"/>
+              </a:ext>
+            </a:extLst>
+          </p:cNvPr>
+          <p:cNvPicPr>
+            <a:picLocks noChangeAspect="1"/>
+          </p:cNvPicPr>
+          <p:nvPr/>
+        </p:nvPicPr>
+        <p:blipFill>
+          <a:blip r:embed="rId4">
+            <a:extLst>
+              <a:ext uri="{28A0092B-C50C-407E-A947-70E740481C1C}">
+                <a14:useLocalDpi xmlns:a14="http://schemas.microsoft.com/office/drawing/2010/main" val="0"/>
+              </a:ext>
+            </a:extLst>
+          </a:blip>
+          <a:stretch>
+            <a:fillRect/>
+          </a:stretch>
+        </p:blipFill>
+        <p:spPr>
+          <a:xfrm>
+            <a:off x="9331037" y="4032395"/>
+            <a:ext cx="5738884" cy="4270572"/>
+          </a:xfrm>
+          <a:prstGeom prst="rect">
+            <a:avLst/>
+          </a:prstGeom>
+        </p:spPr>
+      </p:pic>
+      <p:sp>
+        <p:nvSpPr>
+          <p:cNvPr id="117" name="TextBox 116">
+            <a:extLst>
+              <a:ext uri="{FF2B5EF4-FFF2-40B4-BE49-F238E27FC236}">
+                <a16:creationId xmlns:a16="http://schemas.microsoft.com/office/drawing/2014/main" id="{610110D5-79DC-4A44-A26B-B97429200E42}"/>
+              </a:ext>
+            </a:extLst>
+          </p:cNvPr>
+          <p:cNvSpPr txBox="1"/>
+          <p:nvPr/>
+        </p:nvSpPr>
+        <p:spPr>
+          <a:xfrm>
+            <a:off x="12221206" y="4537948"/>
+            <a:ext cx="1729961" cy="369332"/>
+          </a:xfrm>
+          <a:prstGeom prst="rect">
+            <a:avLst/>
+          </a:prstGeom>
+          <a:noFill/>
+        </p:spPr>
+        <p:txBody>
+          <a:bodyPr wrap="none" rtlCol="0">
+            <a:spAutoFit/>
+          </a:bodyPr>
+          <a:lstStyle/>
+          <a:p>
+            <a:r>
+              <a:rPr lang="en-US" dirty="0">
+                <a:latin typeface="Times New Roman" panose="02020603050405020304" pitchFamily="18" charset="0"/>
+                <a:cs typeface="Times New Roman" panose="02020603050405020304" pitchFamily="18" charset="0"/>
+              </a:rPr>
+              <a:t> Used in training</a:t>
+            </a:r>
+          </a:p>
+        </p:txBody>
+      </p:sp>
+      <p:sp>
+        <p:nvSpPr>
+          <p:cNvPr id="118" name="TextBox 117">
+            <a:extLst>
+              <a:ext uri="{FF2B5EF4-FFF2-40B4-BE49-F238E27FC236}">
+                <a16:creationId xmlns:a16="http://schemas.microsoft.com/office/drawing/2014/main" id="{D7D9E031-A4AE-4434-BB36-97EB758F0B8A}"/>
+              </a:ext>
+            </a:extLst>
+          </p:cNvPr>
+          <p:cNvSpPr txBox="1"/>
+          <p:nvPr/>
+        </p:nvSpPr>
+        <p:spPr>
+          <a:xfrm>
+            <a:off x="12245789" y="6712357"/>
+            <a:ext cx="2704587" cy="369332"/>
+          </a:xfrm>
+          <a:prstGeom prst="rect">
+            <a:avLst/>
+          </a:prstGeom>
+          <a:noFill/>
+        </p:spPr>
+        <p:txBody>
+          <a:bodyPr wrap="none" rtlCol="0">
+            <a:spAutoFit/>
+          </a:bodyPr>
+          <a:lstStyle/>
+          <a:p>
+            <a:r>
+              <a:rPr lang="en-US" dirty="0">
+                <a:latin typeface="Times New Roman" panose="02020603050405020304" pitchFamily="18" charset="0"/>
+                <a:cs typeface="Times New Roman" panose="02020603050405020304" pitchFamily="18" charset="0"/>
+              </a:rPr>
+              <a:t> Used in validation and test</a:t>
+            </a:r>
+          </a:p>
+        </p:txBody>
+      </p:sp>
+      <p:cxnSp>
+        <p:nvCxnSpPr>
+          <p:cNvPr id="53" name="Straight Arrow Connector 52">
+            <a:extLst>
+              <a:ext uri="{FF2B5EF4-FFF2-40B4-BE49-F238E27FC236}">
+                <a16:creationId xmlns:a16="http://schemas.microsoft.com/office/drawing/2014/main" id="{6A0E7D60-AC13-4852-A627-C13A4EF2B66A}"/>
+              </a:ext>
+            </a:extLst>
+          </p:cNvPr>
+          <p:cNvCxnSpPr>
+            <a:cxnSpLocks/>
+          </p:cNvCxnSpPr>
+          <p:nvPr/>
+        </p:nvCxnSpPr>
+        <p:spPr>
+          <a:xfrm flipH="1">
+            <a:off x="12144832" y="4851467"/>
+            <a:ext cx="193440" cy="777458"/>
+          </a:xfrm>
+          <a:prstGeom prst="straightConnector1">
+            <a:avLst/>
+          </a:prstGeom>
+          <a:ln>
+            <a:tailEnd type="triangle"/>
+          </a:ln>
+        </p:spPr>
+        <p:style>
+          <a:lnRef idx="1">
+            <a:schemeClr val="accent1"/>
+          </a:lnRef>
+          <a:fillRef idx="0">
+            <a:schemeClr val="accent1"/>
+          </a:fillRef>
+          <a:effectRef idx="0">
+            <a:schemeClr val="accent1"/>
+          </a:effectRef>
+          <a:fontRef idx="minor">
+            <a:schemeClr val="tx1"/>
+          </a:fontRef>
+        </p:style>
+      </p:cxnSp>
+      <p:sp>
+        <p:nvSpPr>
+          <p:cNvPr id="56" name="Right Brace 55">
+            <a:extLst>
+              <a:ext uri="{FF2B5EF4-FFF2-40B4-BE49-F238E27FC236}">
+                <a16:creationId xmlns:a16="http://schemas.microsoft.com/office/drawing/2014/main" id="{09232BB5-67CA-46CF-8409-0F4BEBAF7093}"/>
+              </a:ext>
+            </a:extLst>
+          </p:cNvPr>
+          <p:cNvSpPr/>
+          <p:nvPr/>
+        </p:nvSpPr>
+        <p:spPr>
+          <a:xfrm rot="16200000">
+            <a:off x="13267430" y="6729039"/>
+            <a:ext cx="482557" cy="1445565"/>
+          </a:xfrm>
+          <a:prstGeom prst="rightBrace">
+            <a:avLst/>
+          </a:prstGeom>
+        </p:spPr>
+        <p:style>
+          <a:lnRef idx="1">
+            <a:schemeClr val="accent1"/>
+          </a:lnRef>
+          <a:fillRef idx="0">
+            <a:schemeClr val="accent1"/>
+          </a:fillRef>
+          <a:effectRef idx="0">
+            <a:schemeClr val="accent1"/>
+          </a:effectRef>
+          <a:fontRef idx="minor">
+            <a:schemeClr val="tx1"/>
+          </a:fontRef>
+        </p:style>
+        <p:txBody>
+          <a:bodyPr rtlCol="0" anchor="ctr"/>
+          <a:lstStyle/>
+          <a:p>
+            <a:pPr algn="ctr"/>
+            <a:endParaRPr lang="en-US"/>
+          </a:p>
+        </p:txBody>
+      </p:sp>
       <p:grpSp>
         <p:nvGrpSpPr>
-          <p:cNvPr id="7" name="Group 6">
+          <p:cNvPr id="4" name="Group 3">
             <a:extLst>
               <a:ext uri="{FF2B5EF4-FFF2-40B4-BE49-F238E27FC236}">
-                <a16:creationId xmlns:a16="http://schemas.microsoft.com/office/drawing/2014/main" id="{F1E95468-8D7F-498C-902F-CF370B014FC8}"/>
+                <a16:creationId xmlns:a16="http://schemas.microsoft.com/office/drawing/2014/main" id="{C1F21B31-B934-434D-AD8B-AB1EFBD38A4E}"/>
               </a:ext>
             </a:extLst>
           </p:cNvPr>
@@ -4010,18 +4207,18 @@
         </p:nvGrpSpPr>
         <p:grpSpPr>
           <a:xfrm>
-            <a:off x="9108826" y="73136"/>
-            <a:ext cx="5978774" cy="12488333"/>
-            <a:chOff x="9126505" y="-12649"/>
-            <a:chExt cx="5978774" cy="12488333"/>
+            <a:off x="9195310" y="8363379"/>
+            <a:ext cx="5880275" cy="4342676"/>
+            <a:chOff x="9225004" y="8133008"/>
+            <a:chExt cx="5880275" cy="4342676"/>
           </a:xfrm>
         </p:grpSpPr>
         <p:pic>
           <p:nvPicPr>
-            <p:cNvPr id="50" name="Picture 49" descr="Chart, histogram&#10;&#10;Description automatically generated">
+            <p:cNvPr id="88" name="Picture 87" descr="Chart&#10;&#10;Description automatically generated">
               <a:extLst>
                 <a:ext uri="{FF2B5EF4-FFF2-40B4-BE49-F238E27FC236}">
-                  <a16:creationId xmlns:a16="http://schemas.microsoft.com/office/drawing/2014/main" id="{B6225345-7B8E-456D-BE90-E04427DEB5B4}"/>
+                  <a16:creationId xmlns:a16="http://schemas.microsoft.com/office/drawing/2014/main" id="{8E831EEB-6312-4887-B4BF-F918464CF4AF}"/>
                 </a:ext>
               </a:extLst>
             </p:cNvPr>
@@ -4031,7 +4228,7 @@
             <p:nvPr/>
           </p:nvPicPr>
           <p:blipFill>
-            <a:blip r:embed="rId4">
+            <a:blip r:embed="rId5">
               <a:extLst>
                 <a:ext uri="{28A0092B-C50C-407E-A947-70E740481C1C}">
                   <a14:useLocalDpi xmlns:a14="http://schemas.microsoft.com/office/drawing/2010/main" val="0"/>
@@ -4044,8 +4241,8 @@
           </p:blipFill>
           <p:spPr>
             <a:xfrm>
-              <a:off x="9348716" y="3946610"/>
-              <a:ext cx="5738884" cy="4270572"/>
+              <a:off x="9225004" y="8133008"/>
+              <a:ext cx="5880275" cy="4342676"/>
             </a:xfrm>
             <a:prstGeom prst="rect">
               <a:avLst/>
@@ -4054,10 +4251,10 @@
         </p:pic>
         <p:sp>
           <p:nvSpPr>
-            <p:cNvPr id="117" name="TextBox 116">
+            <p:cNvPr id="147" name="TextBox 146">
               <a:extLst>
                 <a:ext uri="{FF2B5EF4-FFF2-40B4-BE49-F238E27FC236}">
-                  <a16:creationId xmlns:a16="http://schemas.microsoft.com/office/drawing/2014/main" id="{610110D5-79DC-4A44-A26B-B97429200E42}"/>
+                  <a16:creationId xmlns:a16="http://schemas.microsoft.com/office/drawing/2014/main" id="{7BFAEE91-6AC3-401D-84F4-2DE1FAC4024A}"/>
                 </a:ext>
               </a:extLst>
             </p:cNvPr>
@@ -4066,8 +4263,8 @@
           </p:nvSpPr>
           <p:spPr>
             <a:xfrm>
-              <a:off x="12238885" y="4452163"/>
-              <a:ext cx="1729961" cy="369332"/>
+              <a:off x="10302086" y="11437595"/>
+              <a:ext cx="2501519" cy="369332"/>
             </a:xfrm>
             <a:prstGeom prst="rect">
               <a:avLst/>
@@ -4085,17 +4282,17 @@
                   <a:latin typeface="Times New Roman" panose="02020603050405020304" pitchFamily="18" charset="0"/>
                   <a:cs typeface="Times New Roman" panose="02020603050405020304" pitchFamily="18" charset="0"/>
                 </a:rPr>
-                <a:t> Used in training</a:t>
+                <a:t>Average over 3,489 pairs</a:t>
               </a:r>
             </a:p>
           </p:txBody>
         </p:sp>
         <p:sp>
           <p:nvSpPr>
-            <p:cNvPr id="118" name="TextBox 117">
+            <p:cNvPr id="148" name="TextBox 147">
               <a:extLst>
                 <a:ext uri="{FF2B5EF4-FFF2-40B4-BE49-F238E27FC236}">
-                  <a16:creationId xmlns:a16="http://schemas.microsoft.com/office/drawing/2014/main" id="{D7D9E031-A4AE-4434-BB36-97EB758F0B8A}"/>
+                  <a16:creationId xmlns:a16="http://schemas.microsoft.com/office/drawing/2014/main" id="{9BF7E256-43CD-40D5-B48E-F2C86C80756E}"/>
                 </a:ext>
               </a:extLst>
             </p:cNvPr>
@@ -4104,504 +4301,8 @@
           </p:nvSpPr>
           <p:spPr>
             <a:xfrm>
-              <a:off x="12263468" y="6626572"/>
-              <a:ext cx="2704587" cy="369332"/>
-            </a:xfrm>
-            <a:prstGeom prst="rect">
-              <a:avLst/>
-            </a:prstGeom>
-            <a:noFill/>
-          </p:spPr>
-          <p:txBody>
-            <a:bodyPr wrap="none" rtlCol="0">
-              <a:spAutoFit/>
-            </a:bodyPr>
-            <a:lstStyle/>
-            <a:p>
-              <a:r>
-                <a:rPr lang="en-US" dirty="0">
-                  <a:latin typeface="Times New Roman" panose="02020603050405020304" pitchFamily="18" charset="0"/>
-                  <a:cs typeface="Times New Roman" panose="02020603050405020304" pitchFamily="18" charset="0"/>
-                </a:rPr>
-                <a:t> Used in validation and test</a:t>
-              </a:r>
-            </a:p>
-          </p:txBody>
-        </p:sp>
-        <p:cxnSp>
-          <p:nvCxnSpPr>
-            <p:cNvPr id="53" name="Straight Arrow Connector 52">
-              <a:extLst>
-                <a:ext uri="{FF2B5EF4-FFF2-40B4-BE49-F238E27FC236}">
-                  <a16:creationId xmlns:a16="http://schemas.microsoft.com/office/drawing/2014/main" id="{6A0E7D60-AC13-4852-A627-C13A4EF2B66A}"/>
-                </a:ext>
-              </a:extLst>
-            </p:cNvPr>
-            <p:cNvCxnSpPr>
-              <a:cxnSpLocks/>
-            </p:cNvCxnSpPr>
-            <p:nvPr/>
-          </p:nvCxnSpPr>
-          <p:spPr>
-            <a:xfrm flipH="1">
-              <a:off x="12162511" y="4765682"/>
-              <a:ext cx="193440" cy="777458"/>
-            </a:xfrm>
-            <a:prstGeom prst="straightConnector1">
-              <a:avLst/>
-            </a:prstGeom>
-            <a:ln>
-              <a:tailEnd type="triangle"/>
-            </a:ln>
-          </p:spPr>
-          <p:style>
-            <a:lnRef idx="1">
-              <a:schemeClr val="accent1"/>
-            </a:lnRef>
-            <a:fillRef idx="0">
-              <a:schemeClr val="accent1"/>
-            </a:fillRef>
-            <a:effectRef idx="0">
-              <a:schemeClr val="accent1"/>
-            </a:effectRef>
-            <a:fontRef idx="minor">
-              <a:schemeClr val="tx1"/>
-            </a:fontRef>
-          </p:style>
-        </p:cxnSp>
-        <p:sp>
-          <p:nvSpPr>
-            <p:cNvPr id="56" name="Right Brace 55">
-              <a:extLst>
-                <a:ext uri="{FF2B5EF4-FFF2-40B4-BE49-F238E27FC236}">
-                  <a16:creationId xmlns:a16="http://schemas.microsoft.com/office/drawing/2014/main" id="{09232BB5-67CA-46CF-8409-0F4BEBAF7093}"/>
-                </a:ext>
-              </a:extLst>
-            </p:cNvPr>
-            <p:cNvSpPr/>
-            <p:nvPr/>
-          </p:nvSpPr>
-          <p:spPr>
-            <a:xfrm rot="16200000">
-              <a:off x="13285109" y="6643254"/>
-              <a:ext cx="482557" cy="1445565"/>
-            </a:xfrm>
-            <a:prstGeom prst="rightBrace">
-              <a:avLst/>
-            </a:prstGeom>
-          </p:spPr>
-          <p:style>
-            <a:lnRef idx="1">
-              <a:schemeClr val="accent1"/>
-            </a:lnRef>
-            <a:fillRef idx="0">
-              <a:schemeClr val="accent1"/>
-            </a:fillRef>
-            <a:effectRef idx="0">
-              <a:schemeClr val="accent1"/>
-            </a:effectRef>
-            <a:fontRef idx="minor">
-              <a:schemeClr val="tx1"/>
-            </a:fontRef>
-          </p:style>
-          <p:txBody>
-            <a:bodyPr rtlCol="0" anchor="ctr"/>
-            <a:lstStyle/>
-            <a:p>
-              <a:pPr algn="ctr"/>
-              <a:endParaRPr lang="en-US"/>
-            </a:p>
-          </p:txBody>
-        </p:sp>
-        <p:grpSp>
-          <p:nvGrpSpPr>
-            <p:cNvPr id="4" name="Group 3">
-              <a:extLst>
-                <a:ext uri="{FF2B5EF4-FFF2-40B4-BE49-F238E27FC236}">
-                  <a16:creationId xmlns:a16="http://schemas.microsoft.com/office/drawing/2014/main" id="{C1F21B31-B934-434D-AD8B-AB1EFBD38A4E}"/>
-                </a:ext>
-              </a:extLst>
-            </p:cNvPr>
-            <p:cNvGrpSpPr/>
-            <p:nvPr/>
-          </p:nvGrpSpPr>
-          <p:grpSpPr>
-            <a:xfrm>
-              <a:off x="9225004" y="8133008"/>
-              <a:ext cx="5880275" cy="4342676"/>
-              <a:chOff x="9225004" y="8133008"/>
-              <a:chExt cx="5880275" cy="4342676"/>
-            </a:xfrm>
-          </p:grpSpPr>
-          <p:pic>
-            <p:nvPicPr>
-              <p:cNvPr id="88" name="Picture 87" descr="Chart&#10;&#10;Description automatically generated">
-                <a:extLst>
-                  <a:ext uri="{FF2B5EF4-FFF2-40B4-BE49-F238E27FC236}">
-                    <a16:creationId xmlns:a16="http://schemas.microsoft.com/office/drawing/2014/main" id="{8E831EEB-6312-4887-B4BF-F918464CF4AF}"/>
-                  </a:ext>
-                </a:extLst>
-              </p:cNvPr>
-              <p:cNvPicPr>
-                <a:picLocks noChangeAspect="1"/>
-              </p:cNvPicPr>
-              <p:nvPr/>
-            </p:nvPicPr>
-            <p:blipFill>
-              <a:blip r:embed="rId5">
-                <a:extLst>
-                  <a:ext uri="{28A0092B-C50C-407E-A947-70E740481C1C}">
-                    <a14:useLocalDpi xmlns:a14="http://schemas.microsoft.com/office/drawing/2010/main" val="0"/>
-                  </a:ext>
-                </a:extLst>
-              </a:blip>
-              <a:stretch>
-                <a:fillRect/>
-              </a:stretch>
-            </p:blipFill>
-            <p:spPr>
-              <a:xfrm>
-                <a:off x="9225004" y="8133008"/>
-                <a:ext cx="5880275" cy="4342676"/>
-              </a:xfrm>
-              <a:prstGeom prst="rect">
-                <a:avLst/>
-              </a:prstGeom>
-            </p:spPr>
-          </p:pic>
-          <p:sp>
-            <p:nvSpPr>
-              <p:cNvPr id="147" name="TextBox 146">
-                <a:extLst>
-                  <a:ext uri="{FF2B5EF4-FFF2-40B4-BE49-F238E27FC236}">
-                    <a16:creationId xmlns:a16="http://schemas.microsoft.com/office/drawing/2014/main" id="{7BFAEE91-6AC3-401D-84F4-2DE1FAC4024A}"/>
-                  </a:ext>
-                </a:extLst>
-              </p:cNvPr>
-              <p:cNvSpPr txBox="1"/>
-              <p:nvPr/>
-            </p:nvSpPr>
-            <p:spPr>
-              <a:xfrm>
-                <a:off x="10302086" y="11437595"/>
-                <a:ext cx="2501519" cy="369332"/>
-              </a:xfrm>
-              <a:prstGeom prst="rect">
-                <a:avLst/>
-              </a:prstGeom>
-              <a:noFill/>
-            </p:spPr>
-            <p:txBody>
-              <a:bodyPr wrap="none" rtlCol="0">
-                <a:spAutoFit/>
-              </a:bodyPr>
-              <a:lstStyle/>
-              <a:p>
-                <a:r>
-                  <a:rPr lang="en-US" dirty="0">
-                    <a:latin typeface="Times New Roman" panose="02020603050405020304" pitchFamily="18" charset="0"/>
-                    <a:cs typeface="Times New Roman" panose="02020603050405020304" pitchFamily="18" charset="0"/>
-                  </a:rPr>
-                  <a:t>Average over 3,489 pairs</a:t>
-                </a:r>
-              </a:p>
-            </p:txBody>
-          </p:sp>
-          <p:sp>
-            <p:nvSpPr>
-              <p:cNvPr id="148" name="TextBox 147">
-                <a:extLst>
-                  <a:ext uri="{FF2B5EF4-FFF2-40B4-BE49-F238E27FC236}">
-                    <a16:creationId xmlns:a16="http://schemas.microsoft.com/office/drawing/2014/main" id="{9BF7E256-43CD-40D5-B48E-F2C86C80756E}"/>
-                  </a:ext>
-                </a:extLst>
-              </p:cNvPr>
-              <p:cNvSpPr txBox="1"/>
-              <p:nvPr/>
-            </p:nvSpPr>
-            <p:spPr>
-              <a:xfrm>
-                <a:off x="10876836" y="10229560"/>
-                <a:ext cx="1265142" cy="923330"/>
-              </a:xfrm>
-              <a:prstGeom prst="rect">
-                <a:avLst/>
-              </a:prstGeom>
-              <a:noFill/>
-            </p:spPr>
-            <p:txBody>
-              <a:bodyPr wrap="square" rtlCol="0">
-                <a:spAutoFit/>
-              </a:bodyPr>
-              <a:lstStyle/>
-              <a:p>
-                <a:r>
-                  <a:rPr lang="en-US" dirty="0">
-                    <a:latin typeface="Times New Roman" panose="02020603050405020304" pitchFamily="18" charset="0"/>
-                    <a:cs typeface="Times New Roman" panose="02020603050405020304" pitchFamily="18" charset="0"/>
-                  </a:rPr>
-                  <a:t>Average over 3,808 pairs</a:t>
-                </a:r>
-              </a:p>
-            </p:txBody>
-          </p:sp>
-          <p:sp>
-            <p:nvSpPr>
-              <p:cNvPr id="149" name="TextBox 148">
-                <a:extLst>
-                  <a:ext uri="{FF2B5EF4-FFF2-40B4-BE49-F238E27FC236}">
-                    <a16:creationId xmlns:a16="http://schemas.microsoft.com/office/drawing/2014/main" id="{4A06B6C9-9B63-44B1-888A-8CE3A8923400}"/>
-                  </a:ext>
-                </a:extLst>
-              </p:cNvPr>
-              <p:cNvSpPr txBox="1"/>
-              <p:nvPr/>
-            </p:nvSpPr>
-            <p:spPr>
-              <a:xfrm>
-                <a:off x="12585894" y="10151060"/>
-                <a:ext cx="1265142" cy="923330"/>
-              </a:xfrm>
-              <a:prstGeom prst="rect">
-                <a:avLst/>
-              </a:prstGeom>
-              <a:noFill/>
-            </p:spPr>
-            <p:txBody>
-              <a:bodyPr wrap="square" rtlCol="0">
-                <a:spAutoFit/>
-              </a:bodyPr>
-              <a:lstStyle/>
-              <a:p>
-                <a:r>
-                  <a:rPr lang="en-US" dirty="0">
-                    <a:latin typeface="Times New Roman" panose="02020603050405020304" pitchFamily="18" charset="0"/>
-                    <a:cs typeface="Times New Roman" panose="02020603050405020304" pitchFamily="18" charset="0"/>
-                  </a:rPr>
-                  <a:t>Average over 741 pairs</a:t>
-                </a:r>
-              </a:p>
-            </p:txBody>
-          </p:sp>
-          <p:sp>
-            <p:nvSpPr>
-              <p:cNvPr id="150" name="TextBox 149">
-                <a:extLst>
-                  <a:ext uri="{FF2B5EF4-FFF2-40B4-BE49-F238E27FC236}">
-                    <a16:creationId xmlns:a16="http://schemas.microsoft.com/office/drawing/2014/main" id="{0D5CC483-BCA1-480F-949D-26FEC65C1331}"/>
-                  </a:ext>
-                </a:extLst>
-              </p:cNvPr>
-              <p:cNvSpPr txBox="1"/>
-              <p:nvPr/>
-            </p:nvSpPr>
-            <p:spPr>
-              <a:xfrm>
-                <a:off x="12905268" y="8918529"/>
-                <a:ext cx="1265142" cy="923330"/>
-              </a:xfrm>
-              <a:prstGeom prst="rect">
-                <a:avLst/>
-              </a:prstGeom>
-              <a:noFill/>
-            </p:spPr>
-            <p:txBody>
-              <a:bodyPr wrap="square" rtlCol="0">
-                <a:spAutoFit/>
-              </a:bodyPr>
-              <a:lstStyle/>
-              <a:p>
-                <a:r>
-                  <a:rPr lang="en-US" dirty="0">
-                    <a:latin typeface="Times New Roman" panose="02020603050405020304" pitchFamily="18" charset="0"/>
-                    <a:cs typeface="Times New Roman" panose="02020603050405020304" pitchFamily="18" charset="0"/>
-                  </a:rPr>
-                  <a:t>Average over 82 pairs</a:t>
-                </a:r>
-              </a:p>
-            </p:txBody>
-          </p:sp>
-          <p:sp>
-            <p:nvSpPr>
-              <p:cNvPr id="152" name="TextBox 151">
-                <a:extLst>
-                  <a:ext uri="{FF2B5EF4-FFF2-40B4-BE49-F238E27FC236}">
-                    <a16:creationId xmlns:a16="http://schemas.microsoft.com/office/drawing/2014/main" id="{3A43DFCE-A741-470F-AE65-3505D8563883}"/>
-                  </a:ext>
-                </a:extLst>
-              </p:cNvPr>
-              <p:cNvSpPr txBox="1"/>
-              <p:nvPr/>
-            </p:nvSpPr>
-            <p:spPr>
-              <a:xfrm>
-                <a:off x="12585894" y="8244894"/>
-                <a:ext cx="2349365" cy="369332"/>
-              </a:xfrm>
-              <a:prstGeom prst="rect">
-                <a:avLst/>
-              </a:prstGeom>
-              <a:noFill/>
-            </p:spPr>
-            <p:txBody>
-              <a:bodyPr wrap="square" rtlCol="0">
-                <a:spAutoFit/>
-              </a:bodyPr>
-              <a:lstStyle/>
-              <a:p>
-                <a:r>
-                  <a:rPr lang="en-US" dirty="0">
-                    <a:latin typeface="Times New Roman" panose="02020603050405020304" pitchFamily="18" charset="0"/>
-                    <a:cs typeface="Times New Roman" panose="02020603050405020304" pitchFamily="18" charset="0"/>
-                  </a:rPr>
-                  <a:t>Average over 9 pairs</a:t>
-                </a:r>
-              </a:p>
-            </p:txBody>
-          </p:sp>
-          <p:sp>
-            <p:nvSpPr>
-              <p:cNvPr id="153" name="Arrow: Down 152">
-                <a:extLst>
-                  <a:ext uri="{FF2B5EF4-FFF2-40B4-BE49-F238E27FC236}">
-                    <a16:creationId xmlns:a16="http://schemas.microsoft.com/office/drawing/2014/main" id="{F4D16FCE-168D-403F-9852-0A466C26D628}"/>
-                  </a:ext>
-                </a:extLst>
-              </p:cNvPr>
-              <p:cNvSpPr/>
-              <p:nvPr/>
-            </p:nvSpPr>
-            <p:spPr>
-              <a:xfrm rot="10800000">
-                <a:off x="14111560" y="8605008"/>
-                <a:ext cx="784691" cy="1446079"/>
-              </a:xfrm>
-              <a:prstGeom prst="downArrow">
-                <a:avLst/>
-              </a:prstGeom>
-              <a:solidFill>
-                <a:srgbClr val="FBC9EA"/>
-              </a:solidFill>
-            </p:spPr>
-            <p:style>
-              <a:lnRef idx="2">
-                <a:schemeClr val="accent1">
-                  <a:shade val="50000"/>
-                </a:schemeClr>
-              </a:lnRef>
-              <a:fillRef idx="1">
-                <a:schemeClr val="accent1"/>
-              </a:fillRef>
-              <a:effectRef idx="0">
-                <a:schemeClr val="accent1"/>
-              </a:effectRef>
-              <a:fontRef idx="minor">
-                <a:schemeClr val="lt1"/>
-              </a:fontRef>
-            </p:style>
-            <p:txBody>
-              <a:bodyPr rtlCol="0" anchor="ctr"/>
-              <a:lstStyle/>
-              <a:p>
-                <a:pPr algn="ctr"/>
-                <a:endParaRPr lang="en-US" dirty="0"/>
-              </a:p>
-            </p:txBody>
-          </p:sp>
-          <p:sp>
-            <p:nvSpPr>
-              <p:cNvPr id="155" name="TextBox 154">
-                <a:extLst>
-                  <a:ext uri="{FF2B5EF4-FFF2-40B4-BE49-F238E27FC236}">
-                    <a16:creationId xmlns:a16="http://schemas.microsoft.com/office/drawing/2014/main" id="{31122EB4-8F3D-4F39-BEA3-F243CBEA2BBB}"/>
-                  </a:ext>
-                </a:extLst>
-              </p:cNvPr>
-              <p:cNvSpPr txBox="1"/>
-              <p:nvPr/>
-            </p:nvSpPr>
-            <p:spPr>
-              <a:xfrm rot="16200000">
-                <a:off x="13672632" y="9054094"/>
-                <a:ext cx="1658878" cy="338554"/>
-              </a:xfrm>
-              <a:prstGeom prst="rect">
-                <a:avLst/>
-              </a:prstGeom>
-              <a:noFill/>
-            </p:spPr>
-            <p:txBody>
-              <a:bodyPr wrap="square" rtlCol="0">
-                <a:spAutoFit/>
-              </a:bodyPr>
-              <a:lstStyle/>
-              <a:p>
-                <a:r>
-                  <a:rPr lang="en-US" sz="1600" dirty="0">
-                    <a:solidFill>
-                      <a:srgbClr val="E111AB"/>
-                    </a:solidFill>
-                    <a:latin typeface="Times New Roman" panose="02020603050405020304" pitchFamily="18" charset="0"/>
-                    <a:cs typeface="Times New Roman" panose="02020603050405020304" pitchFamily="18" charset="0"/>
-                  </a:rPr>
-                  <a:t>Non-Binding</a:t>
-                </a:r>
-              </a:p>
-            </p:txBody>
-          </p:sp>
-        </p:grpSp>
-        <p:pic>
-          <p:nvPicPr>
-            <p:cNvPr id="245" name="Picture 244" descr="Chart, scatter chart&#10;&#10;Description automatically generated">
-              <a:extLst>
-                <a:ext uri="{FF2B5EF4-FFF2-40B4-BE49-F238E27FC236}">
-                  <a16:creationId xmlns:a16="http://schemas.microsoft.com/office/drawing/2014/main" id="{A42B7437-15A5-4FF9-8B29-FB33BCE1276C}"/>
-                </a:ext>
-              </a:extLst>
-            </p:cNvPr>
-            <p:cNvPicPr>
-              <a:picLocks noChangeAspect="1"/>
-            </p:cNvPicPr>
-            <p:nvPr/>
-          </p:nvPicPr>
-          <p:blipFill>
-            <a:blip r:embed="rId6">
-              <a:extLst>
-                <a:ext uri="{28A0092B-C50C-407E-A947-70E740481C1C}">
-                  <a14:useLocalDpi xmlns:a14="http://schemas.microsoft.com/office/drawing/2010/main" val="0"/>
-                </a:ext>
-              </a:extLst>
-            </a:blip>
-            <a:stretch>
-              <a:fillRect/>
-            </a:stretch>
-          </p:blipFill>
-          <p:spPr>
-            <a:xfrm>
-              <a:off x="9183127" y="-12649"/>
-              <a:ext cx="5880275" cy="4153153"/>
-            </a:xfrm>
-            <a:prstGeom prst="rect">
-              <a:avLst/>
-            </a:prstGeom>
-          </p:spPr>
-        </p:pic>
-        <p:sp>
-          <p:nvSpPr>
-            <p:cNvPr id="59" name="TextBox 58">
-              <a:extLst>
-                <a:ext uri="{FF2B5EF4-FFF2-40B4-BE49-F238E27FC236}">
-                  <a16:creationId xmlns:a16="http://schemas.microsoft.com/office/drawing/2014/main" id="{04D1D0F3-C1E1-42F8-A75B-F7C128958F7C}"/>
-                </a:ext>
-              </a:extLst>
-            </p:cNvPr>
-            <p:cNvSpPr txBox="1"/>
-            <p:nvPr/>
-          </p:nvSpPr>
-          <p:spPr>
-            <a:xfrm>
-              <a:off x="9126505" y="-12649"/>
-              <a:ext cx="1974199" cy="584775"/>
+              <a:off x="10876836" y="10229560"/>
+              <a:ext cx="1265142" cy="923330"/>
             </a:xfrm>
             <a:prstGeom prst="rect">
               <a:avLst/>
@@ -4615,21 +4316,21 @@
             <a:lstStyle/>
             <a:p>
               <a:r>
-                <a:rPr lang="en-US" sz="3200" b="1" dirty="0">
+                <a:rPr lang="en-US" dirty="0">
                   <a:latin typeface="Times New Roman" panose="02020603050405020304" pitchFamily="18" charset="0"/>
                   <a:cs typeface="Times New Roman" panose="02020603050405020304" pitchFamily="18" charset="0"/>
                 </a:rPr>
-                <a:t>b</a:t>
+                <a:t>Average over 3,808 pairs</a:t>
               </a:r>
             </a:p>
           </p:txBody>
         </p:sp>
         <p:sp>
           <p:nvSpPr>
-            <p:cNvPr id="60" name="TextBox 59">
+            <p:cNvPr id="149" name="TextBox 148">
               <a:extLst>
                 <a:ext uri="{FF2B5EF4-FFF2-40B4-BE49-F238E27FC236}">
-                  <a16:creationId xmlns:a16="http://schemas.microsoft.com/office/drawing/2014/main" id="{CE7EBC21-A94D-4F1F-92FC-D0D1DA420D9F}"/>
+                  <a16:creationId xmlns:a16="http://schemas.microsoft.com/office/drawing/2014/main" id="{4A06B6C9-9B63-44B1-888A-8CE3A8923400}"/>
                 </a:ext>
               </a:extLst>
             </p:cNvPr>
@@ -4638,8 +4339,8 @@
           </p:nvSpPr>
           <p:spPr>
             <a:xfrm>
-              <a:off x="9158929" y="3633219"/>
-              <a:ext cx="1974199" cy="584775"/>
+              <a:off x="12585894" y="10151060"/>
+              <a:ext cx="1265142" cy="923330"/>
             </a:xfrm>
             <a:prstGeom prst="rect">
               <a:avLst/>
@@ -4653,21 +4354,21 @@
             <a:lstStyle/>
             <a:p>
               <a:r>
-                <a:rPr lang="en-US" sz="3200" b="1" dirty="0">
+                <a:rPr lang="en-US" dirty="0">
                   <a:latin typeface="Times New Roman" panose="02020603050405020304" pitchFamily="18" charset="0"/>
                   <a:cs typeface="Times New Roman" panose="02020603050405020304" pitchFamily="18" charset="0"/>
                 </a:rPr>
-                <a:t>c</a:t>
+                <a:t>Average over 741 pairs</a:t>
               </a:r>
             </a:p>
           </p:txBody>
         </p:sp>
         <p:sp>
           <p:nvSpPr>
-            <p:cNvPr id="61" name="TextBox 60">
+            <p:cNvPr id="150" name="TextBox 149">
               <a:extLst>
                 <a:ext uri="{FF2B5EF4-FFF2-40B4-BE49-F238E27FC236}">
-                  <a16:creationId xmlns:a16="http://schemas.microsoft.com/office/drawing/2014/main" id="{679FF3A1-CB57-464F-9AE2-9079810EA507}"/>
+                  <a16:creationId xmlns:a16="http://schemas.microsoft.com/office/drawing/2014/main" id="{0D5CC483-BCA1-480F-949D-26FEC65C1331}"/>
                 </a:ext>
               </a:extLst>
             </p:cNvPr>
@@ -4676,8 +4377,8 @@
           </p:nvSpPr>
           <p:spPr>
             <a:xfrm>
-              <a:off x="9176929" y="7851050"/>
-              <a:ext cx="1974199" cy="584775"/>
+              <a:off x="12905268" y="8918529"/>
+              <a:ext cx="1265142" cy="923330"/>
             </a:xfrm>
             <a:prstGeom prst="rect">
               <a:avLst/>
@@ -4691,16 +4392,294 @@
             <a:lstStyle/>
             <a:p>
               <a:r>
-                <a:rPr lang="en-US" sz="3200" b="1" dirty="0">
+                <a:rPr lang="en-US" dirty="0">
                   <a:latin typeface="Times New Roman" panose="02020603050405020304" pitchFamily="18" charset="0"/>
                   <a:cs typeface="Times New Roman" panose="02020603050405020304" pitchFamily="18" charset="0"/>
                 </a:rPr>
-                <a:t>d</a:t>
+                <a:t>Average over 82 pairs</a:t>
+              </a:r>
+            </a:p>
+          </p:txBody>
+        </p:sp>
+        <p:sp>
+          <p:nvSpPr>
+            <p:cNvPr id="152" name="TextBox 151">
+              <a:extLst>
+                <a:ext uri="{FF2B5EF4-FFF2-40B4-BE49-F238E27FC236}">
+                  <a16:creationId xmlns:a16="http://schemas.microsoft.com/office/drawing/2014/main" id="{3A43DFCE-A741-470F-AE65-3505D8563883}"/>
+                </a:ext>
+              </a:extLst>
+            </p:cNvPr>
+            <p:cNvSpPr txBox="1"/>
+            <p:nvPr/>
+          </p:nvSpPr>
+          <p:spPr>
+            <a:xfrm>
+              <a:off x="12585894" y="8244894"/>
+              <a:ext cx="2349365" cy="369332"/>
+            </a:xfrm>
+            <a:prstGeom prst="rect">
+              <a:avLst/>
+            </a:prstGeom>
+            <a:noFill/>
+          </p:spPr>
+          <p:txBody>
+            <a:bodyPr wrap="square" rtlCol="0">
+              <a:spAutoFit/>
+            </a:bodyPr>
+            <a:lstStyle/>
+            <a:p>
+              <a:r>
+                <a:rPr lang="en-US" dirty="0">
+                  <a:latin typeface="Times New Roman" panose="02020603050405020304" pitchFamily="18" charset="0"/>
+                  <a:cs typeface="Times New Roman" panose="02020603050405020304" pitchFamily="18" charset="0"/>
+                </a:rPr>
+                <a:t>Average over 9 pairs</a:t>
+              </a:r>
+            </a:p>
+          </p:txBody>
+        </p:sp>
+        <p:sp>
+          <p:nvSpPr>
+            <p:cNvPr id="153" name="Arrow: Down 152">
+              <a:extLst>
+                <a:ext uri="{FF2B5EF4-FFF2-40B4-BE49-F238E27FC236}">
+                  <a16:creationId xmlns:a16="http://schemas.microsoft.com/office/drawing/2014/main" id="{F4D16FCE-168D-403F-9852-0A466C26D628}"/>
+                </a:ext>
+              </a:extLst>
+            </p:cNvPr>
+            <p:cNvSpPr/>
+            <p:nvPr/>
+          </p:nvSpPr>
+          <p:spPr>
+            <a:xfrm rot="10800000">
+              <a:off x="14111560" y="8605008"/>
+              <a:ext cx="784691" cy="1446079"/>
+            </a:xfrm>
+            <a:prstGeom prst="downArrow">
+              <a:avLst/>
+            </a:prstGeom>
+            <a:solidFill>
+              <a:srgbClr val="FBC9EA"/>
+            </a:solidFill>
+          </p:spPr>
+          <p:style>
+            <a:lnRef idx="2">
+              <a:schemeClr val="accent1">
+                <a:shade val="50000"/>
+              </a:schemeClr>
+            </a:lnRef>
+            <a:fillRef idx="1">
+              <a:schemeClr val="accent1"/>
+            </a:fillRef>
+            <a:effectRef idx="0">
+              <a:schemeClr val="accent1"/>
+            </a:effectRef>
+            <a:fontRef idx="minor">
+              <a:schemeClr val="lt1"/>
+            </a:fontRef>
+          </p:style>
+          <p:txBody>
+            <a:bodyPr rtlCol="0" anchor="ctr"/>
+            <a:lstStyle/>
+            <a:p>
+              <a:pPr algn="ctr"/>
+              <a:endParaRPr lang="en-US" dirty="0"/>
+            </a:p>
+          </p:txBody>
+        </p:sp>
+        <p:sp>
+          <p:nvSpPr>
+            <p:cNvPr id="155" name="TextBox 154">
+              <a:extLst>
+                <a:ext uri="{FF2B5EF4-FFF2-40B4-BE49-F238E27FC236}">
+                  <a16:creationId xmlns:a16="http://schemas.microsoft.com/office/drawing/2014/main" id="{31122EB4-8F3D-4F39-BEA3-F243CBEA2BBB}"/>
+                </a:ext>
+              </a:extLst>
+            </p:cNvPr>
+            <p:cNvSpPr txBox="1"/>
+            <p:nvPr/>
+          </p:nvSpPr>
+          <p:spPr>
+            <a:xfrm rot="16200000">
+              <a:off x="13672632" y="9054094"/>
+              <a:ext cx="1658878" cy="338554"/>
+            </a:xfrm>
+            <a:prstGeom prst="rect">
+              <a:avLst/>
+            </a:prstGeom>
+            <a:noFill/>
+          </p:spPr>
+          <p:txBody>
+            <a:bodyPr wrap="square" rtlCol="0">
+              <a:spAutoFit/>
+            </a:bodyPr>
+            <a:lstStyle/>
+            <a:p>
+              <a:r>
+                <a:rPr lang="en-US" sz="1600" dirty="0">
+                  <a:solidFill>
+                    <a:srgbClr val="E111AB"/>
+                  </a:solidFill>
+                  <a:latin typeface="Times New Roman" panose="02020603050405020304" pitchFamily="18" charset="0"/>
+                  <a:cs typeface="Times New Roman" panose="02020603050405020304" pitchFamily="18" charset="0"/>
+                </a:rPr>
+                <a:t>Non-Binding</a:t>
               </a:r>
             </a:p>
           </p:txBody>
         </p:sp>
       </p:grpSp>
+      <p:pic>
+        <p:nvPicPr>
+          <p:cNvPr id="245" name="Picture 244" descr="Chart, scatter chart&#10;&#10;Description automatically generated">
+            <a:extLst>
+              <a:ext uri="{FF2B5EF4-FFF2-40B4-BE49-F238E27FC236}">
+                <a16:creationId xmlns:a16="http://schemas.microsoft.com/office/drawing/2014/main" id="{A42B7437-15A5-4FF9-8B29-FB33BCE1276C}"/>
+              </a:ext>
+            </a:extLst>
+          </p:cNvPr>
+          <p:cNvPicPr>
+            <a:picLocks noChangeAspect="1"/>
+          </p:cNvPicPr>
+          <p:nvPr/>
+        </p:nvPicPr>
+        <p:blipFill>
+          <a:blip r:embed="rId6">
+            <a:extLst>
+              <a:ext uri="{28A0092B-C50C-407E-A947-70E740481C1C}">
+                <a14:useLocalDpi xmlns:a14="http://schemas.microsoft.com/office/drawing/2010/main" val="0"/>
+              </a:ext>
+            </a:extLst>
+          </a:blip>
+          <a:stretch>
+            <a:fillRect/>
+          </a:stretch>
+        </p:blipFill>
+        <p:spPr>
+          <a:xfrm>
+            <a:off x="9165448" y="45341"/>
+            <a:ext cx="5880275" cy="4153153"/>
+          </a:xfrm>
+          <a:prstGeom prst="rect">
+            <a:avLst/>
+          </a:prstGeom>
+        </p:spPr>
+      </p:pic>
+      <p:sp>
+        <p:nvSpPr>
+          <p:cNvPr id="59" name="TextBox 58">
+            <a:extLst>
+              <a:ext uri="{FF2B5EF4-FFF2-40B4-BE49-F238E27FC236}">
+                <a16:creationId xmlns:a16="http://schemas.microsoft.com/office/drawing/2014/main" id="{04D1D0F3-C1E1-42F8-A75B-F7C128958F7C}"/>
+              </a:ext>
+            </a:extLst>
+          </p:cNvPr>
+          <p:cNvSpPr txBox="1"/>
+          <p:nvPr/>
+        </p:nvSpPr>
+        <p:spPr>
+          <a:xfrm>
+            <a:off x="9040402" y="-86184"/>
+            <a:ext cx="1974199" cy="584775"/>
+          </a:xfrm>
+          <a:prstGeom prst="rect">
+            <a:avLst/>
+          </a:prstGeom>
+          <a:noFill/>
+        </p:spPr>
+        <p:txBody>
+          <a:bodyPr wrap="square" rtlCol="0">
+            <a:spAutoFit/>
+          </a:bodyPr>
+          <a:lstStyle/>
+          <a:p>
+            <a:r>
+              <a:rPr lang="en-US" sz="3200" b="1" dirty="0">
+                <a:latin typeface="Times New Roman" panose="02020603050405020304" pitchFamily="18" charset="0"/>
+                <a:cs typeface="Times New Roman" panose="02020603050405020304" pitchFamily="18" charset="0"/>
+              </a:rPr>
+              <a:t>b</a:t>
+            </a:r>
+          </a:p>
+        </p:txBody>
+      </p:sp>
+      <p:sp>
+        <p:nvSpPr>
+          <p:cNvPr id="60" name="TextBox 59">
+            <a:extLst>
+              <a:ext uri="{FF2B5EF4-FFF2-40B4-BE49-F238E27FC236}">
+                <a16:creationId xmlns:a16="http://schemas.microsoft.com/office/drawing/2014/main" id="{CE7EBC21-A94D-4F1F-92FC-D0D1DA420D9F}"/>
+              </a:ext>
+            </a:extLst>
+          </p:cNvPr>
+          <p:cNvSpPr txBox="1"/>
+          <p:nvPr/>
+        </p:nvSpPr>
+        <p:spPr>
+          <a:xfrm>
+            <a:off x="9141250" y="3719004"/>
+            <a:ext cx="1974199" cy="584775"/>
+          </a:xfrm>
+          <a:prstGeom prst="rect">
+            <a:avLst/>
+          </a:prstGeom>
+          <a:noFill/>
+        </p:spPr>
+        <p:txBody>
+          <a:bodyPr wrap="square" rtlCol="0">
+            <a:spAutoFit/>
+          </a:bodyPr>
+          <a:lstStyle/>
+          <a:p>
+            <a:r>
+              <a:rPr lang="en-US" sz="3200" b="1" dirty="0">
+                <a:latin typeface="Times New Roman" panose="02020603050405020304" pitchFamily="18" charset="0"/>
+                <a:cs typeface="Times New Roman" panose="02020603050405020304" pitchFamily="18" charset="0"/>
+              </a:rPr>
+              <a:t>c</a:t>
+            </a:r>
+          </a:p>
+        </p:txBody>
+      </p:sp>
+      <p:sp>
+        <p:nvSpPr>
+          <p:cNvPr id="61" name="TextBox 60">
+            <a:extLst>
+              <a:ext uri="{FF2B5EF4-FFF2-40B4-BE49-F238E27FC236}">
+                <a16:creationId xmlns:a16="http://schemas.microsoft.com/office/drawing/2014/main" id="{679FF3A1-CB57-464F-9AE2-9079810EA507}"/>
+              </a:ext>
+            </a:extLst>
+          </p:cNvPr>
+          <p:cNvSpPr txBox="1"/>
+          <p:nvPr/>
+        </p:nvSpPr>
+        <p:spPr>
+          <a:xfrm>
+            <a:off x="9159250" y="7936835"/>
+            <a:ext cx="1974199" cy="584775"/>
+          </a:xfrm>
+          <a:prstGeom prst="rect">
+            <a:avLst/>
+          </a:prstGeom>
+          <a:noFill/>
+        </p:spPr>
+        <p:txBody>
+          <a:bodyPr wrap="square" rtlCol="0">
+            <a:spAutoFit/>
+          </a:bodyPr>
+          <a:lstStyle/>
+          <a:p>
+            <a:r>
+              <a:rPr lang="en-US" sz="3200" b="1" dirty="0">
+                <a:latin typeface="Times New Roman" panose="02020603050405020304" pitchFamily="18" charset="0"/>
+                <a:cs typeface="Times New Roman" panose="02020603050405020304" pitchFamily="18" charset="0"/>
+              </a:rPr>
+              <a:t>d</a:t>
+            </a:r>
+          </a:p>
+        </p:txBody>
+      </p:sp>
       <p:grpSp>
         <p:nvGrpSpPr>
           <p:cNvPr id="6" name="Group 5">
@@ -6280,6 +6259,246 @@
           </p:sp>
         </p:grpSp>
       </p:grpSp>
+      <p:sp>
+        <p:nvSpPr>
+          <p:cNvPr id="66" name="TextBox 65">
+            <a:extLst>
+              <a:ext uri="{FF2B5EF4-FFF2-40B4-BE49-F238E27FC236}">
+                <a16:creationId xmlns:a16="http://schemas.microsoft.com/office/drawing/2014/main" id="{FFF53562-655A-4C60-88CD-588F6A495637}"/>
+              </a:ext>
+            </a:extLst>
+          </p:cNvPr>
+          <p:cNvSpPr txBox="1"/>
+          <p:nvPr/>
+        </p:nvSpPr>
+        <p:spPr>
+          <a:xfrm>
+            <a:off x="12083346" y="3869191"/>
+            <a:ext cx="1074358" cy="338554"/>
+          </a:xfrm>
+          <a:prstGeom prst="rect">
+            <a:avLst/>
+          </a:prstGeom>
+          <a:solidFill>
+            <a:schemeClr val="bg1"/>
+          </a:solidFill>
+        </p:spPr>
+        <p:txBody>
+          <a:bodyPr wrap="square" rtlCol="0">
+            <a:spAutoFit/>
+          </a:bodyPr>
+          <a:lstStyle/>
+          <a:p>
+            <a:r>
+              <a:rPr lang="en-US" sz="1600" dirty="0">
+                <a:latin typeface="Times New Roman" panose="02020603050405020304" pitchFamily="18" charset="0"/>
+                <a:cs typeface="Times New Roman" panose="02020603050405020304" pitchFamily="18" charset="0"/>
+              </a:rPr>
+              <a:t>Degree</a:t>
+            </a:r>
+          </a:p>
+        </p:txBody>
+      </p:sp>
+      <p:sp>
+        <p:nvSpPr>
+          <p:cNvPr id="67" name="TextBox 66">
+            <a:extLst>
+              <a:ext uri="{FF2B5EF4-FFF2-40B4-BE49-F238E27FC236}">
+                <a16:creationId xmlns:a16="http://schemas.microsoft.com/office/drawing/2014/main" id="{C292B4D8-CB8A-425E-BFF5-A615ACEE7137}"/>
+              </a:ext>
+            </a:extLst>
+          </p:cNvPr>
+          <p:cNvSpPr txBox="1"/>
+          <p:nvPr/>
+        </p:nvSpPr>
+        <p:spPr>
+          <a:xfrm rot="16200000">
+            <a:off x="8773348" y="1537349"/>
+            <a:ext cx="1074358" cy="338554"/>
+          </a:xfrm>
+          <a:prstGeom prst="rect">
+            <a:avLst/>
+          </a:prstGeom>
+          <a:solidFill>
+            <a:schemeClr val="bg1"/>
+          </a:solidFill>
+        </p:spPr>
+        <p:txBody>
+          <a:bodyPr wrap="square" rtlCol="0">
+            <a:spAutoFit/>
+          </a:bodyPr>
+          <a:lstStyle/>
+          <a:p>
+            <a:r>
+              <a:rPr lang="en-US" sz="1600" dirty="0">
+                <a:latin typeface="Times New Roman" panose="02020603050405020304" pitchFamily="18" charset="0"/>
+                <a:cs typeface="Times New Roman" panose="02020603050405020304" pitchFamily="18" charset="0"/>
+              </a:rPr>
+              <a:t>PDF</a:t>
+            </a:r>
+          </a:p>
+        </p:txBody>
+      </p:sp>
+      <p:sp>
+        <p:nvSpPr>
+          <p:cNvPr id="68" name="TextBox 67">
+            <a:extLst>
+              <a:ext uri="{FF2B5EF4-FFF2-40B4-BE49-F238E27FC236}">
+                <a16:creationId xmlns:a16="http://schemas.microsoft.com/office/drawing/2014/main" id="{539E129D-8DE3-466F-BE03-9A73BDDC2C8A}"/>
+              </a:ext>
+            </a:extLst>
+          </p:cNvPr>
+          <p:cNvSpPr txBox="1"/>
+          <p:nvPr/>
+        </p:nvSpPr>
+        <p:spPr>
+          <a:xfrm>
+            <a:off x="11821621" y="8038245"/>
+            <a:ext cx="2116395" cy="338554"/>
+          </a:xfrm>
+          <a:prstGeom prst="rect">
+            <a:avLst/>
+          </a:prstGeom>
+          <a:solidFill>
+            <a:schemeClr val="bg1"/>
+          </a:solidFill>
+        </p:spPr>
+        <p:txBody>
+          <a:bodyPr wrap="square" rtlCol="0">
+            <a:spAutoFit/>
+          </a:bodyPr>
+          <a:lstStyle/>
+          <a:p>
+            <a:r>
+              <a:rPr lang="en-US" sz="1600" dirty="0">
+                <a:latin typeface="Times New Roman" panose="02020603050405020304" pitchFamily="18" charset="0"/>
+                <a:cs typeface="Times New Roman" panose="02020603050405020304" pitchFamily="18" charset="0"/>
+              </a:rPr>
+              <a:t>Hop distance</a:t>
+            </a:r>
+          </a:p>
+        </p:txBody>
+      </p:sp>
+      <p:sp>
+        <p:nvSpPr>
+          <p:cNvPr id="69" name="TextBox 68">
+            <a:extLst>
+              <a:ext uri="{FF2B5EF4-FFF2-40B4-BE49-F238E27FC236}">
+                <a16:creationId xmlns:a16="http://schemas.microsoft.com/office/drawing/2014/main" id="{B16DAF6F-C889-4138-AA89-F82A14602168}"/>
+              </a:ext>
+            </a:extLst>
+          </p:cNvPr>
+          <p:cNvSpPr txBox="1"/>
+          <p:nvPr/>
+        </p:nvSpPr>
+        <p:spPr>
+          <a:xfrm rot="16200000">
+            <a:off x="8613361" y="5859241"/>
+            <a:ext cx="1636515" cy="338554"/>
+          </a:xfrm>
+          <a:prstGeom prst="rect">
+            <a:avLst/>
+          </a:prstGeom>
+          <a:solidFill>
+            <a:schemeClr val="bg1"/>
+          </a:solidFill>
+        </p:spPr>
+        <p:txBody>
+          <a:bodyPr wrap="square" rtlCol="0">
+            <a:spAutoFit/>
+          </a:bodyPr>
+          <a:lstStyle/>
+          <a:p>
+            <a:r>
+              <a:rPr lang="en-US" sz="1600" dirty="0">
+                <a:latin typeface="Times New Roman" panose="02020603050405020304" pitchFamily="18" charset="0"/>
+                <a:cs typeface="Times New Roman" panose="02020603050405020304" pitchFamily="18" charset="0"/>
+              </a:rPr>
+              <a:t>Number of pairs</a:t>
+            </a:r>
+          </a:p>
+        </p:txBody>
+      </p:sp>
+      <p:sp>
+        <p:nvSpPr>
+          <p:cNvPr id="70" name="TextBox 69">
+            <a:extLst>
+              <a:ext uri="{FF2B5EF4-FFF2-40B4-BE49-F238E27FC236}">
+                <a16:creationId xmlns:a16="http://schemas.microsoft.com/office/drawing/2014/main" id="{02E0225B-2FCE-4636-AD8A-DC57003CE5D0}"/>
+              </a:ext>
+            </a:extLst>
+          </p:cNvPr>
+          <p:cNvSpPr txBox="1"/>
+          <p:nvPr/>
+        </p:nvSpPr>
+        <p:spPr>
+          <a:xfrm>
+            <a:off x="11807885" y="12394205"/>
+            <a:ext cx="2116395" cy="338554"/>
+          </a:xfrm>
+          <a:prstGeom prst="rect">
+            <a:avLst/>
+          </a:prstGeom>
+          <a:solidFill>
+            <a:schemeClr val="bg1"/>
+          </a:solidFill>
+        </p:spPr>
+        <p:txBody>
+          <a:bodyPr wrap="square" rtlCol="0">
+            <a:spAutoFit/>
+          </a:bodyPr>
+          <a:lstStyle/>
+          <a:p>
+            <a:r>
+              <a:rPr lang="en-US" sz="1600" dirty="0">
+                <a:latin typeface="Times New Roman" panose="02020603050405020304" pitchFamily="18" charset="0"/>
+                <a:cs typeface="Times New Roman" panose="02020603050405020304" pitchFamily="18" charset="0"/>
+              </a:rPr>
+              <a:t>Hop distance</a:t>
+            </a:r>
+          </a:p>
+        </p:txBody>
+      </p:sp>
+      <p:sp>
+        <p:nvSpPr>
+          <p:cNvPr id="71" name="TextBox 70">
+            <a:extLst>
+              <a:ext uri="{FF2B5EF4-FFF2-40B4-BE49-F238E27FC236}">
+                <a16:creationId xmlns:a16="http://schemas.microsoft.com/office/drawing/2014/main" id="{DB9E137C-2D03-4D79-9D20-55E57B34E215}"/>
+              </a:ext>
+            </a:extLst>
+          </p:cNvPr>
+          <p:cNvSpPr txBox="1"/>
+          <p:nvPr/>
+        </p:nvSpPr>
+        <p:spPr>
+          <a:xfrm rot="16200000">
+            <a:off x="8564026" y="10097322"/>
+            <a:ext cx="1636515" cy="338554"/>
+          </a:xfrm>
+          <a:prstGeom prst="rect">
+            <a:avLst/>
+          </a:prstGeom>
+          <a:solidFill>
+            <a:schemeClr val="bg1"/>
+          </a:solidFill>
+        </p:spPr>
+        <p:txBody>
+          <a:bodyPr wrap="square" rtlCol="0">
+            <a:spAutoFit/>
+          </a:bodyPr>
+          <a:lstStyle/>
+          <a:p>
+            <a:r>
+              <a:rPr lang="en-US" sz="1600" dirty="0">
+                <a:latin typeface="Times New Roman" panose="02020603050405020304" pitchFamily="18" charset="0"/>
+                <a:cs typeface="Times New Roman" panose="02020603050405020304" pitchFamily="18" charset="0"/>
+              </a:rPr>
+              <a:t>Average ki (nM)</a:t>
+            </a:r>
+          </a:p>
+        </p:txBody>
+      </p:sp>
     </p:spTree>
     <p:extLst>
       <p:ext uri="{BB962C8B-B14F-4D97-AF65-F5344CB8AC3E}">

--- a/Images/fig2.pptx
+++ b/Images/fig2.pptx
@@ -197,7 +197,7 @@
           <a:p>
             <a:fld id="{D34CEA9E-E5A5-49C8-A578-AF124664FEC0}" type="datetimeFigureOut">
               <a:rPr lang="en-US" smtClean="0"/>
-              <a:t>8/9/2021</a:t>
+              <a:t>9/3/2021</a:t>
             </a:fld>
             <a:endParaRPr lang="en-US"/>
           </a:p>
@@ -684,7 +684,7 @@
           <a:p>
             <a:fld id="{BA05AF01-4F0E-4718-A4C1-DFCBB47EE5F2}" type="datetimeFigureOut">
               <a:rPr lang="en-US" smtClean="0"/>
-              <a:t>8/9/2021</a:t>
+              <a:t>9/3/2021</a:t>
             </a:fld>
             <a:endParaRPr lang="en-US"/>
           </a:p>
@@ -854,7 +854,7 @@
           <a:p>
             <a:fld id="{BA05AF01-4F0E-4718-A4C1-DFCBB47EE5F2}" type="datetimeFigureOut">
               <a:rPr lang="en-US" smtClean="0"/>
-              <a:t>8/9/2021</a:t>
+              <a:t>9/3/2021</a:t>
             </a:fld>
             <a:endParaRPr lang="en-US"/>
           </a:p>
@@ -1034,7 +1034,7 @@
           <a:p>
             <a:fld id="{BA05AF01-4F0E-4718-A4C1-DFCBB47EE5F2}" type="datetimeFigureOut">
               <a:rPr lang="en-US" smtClean="0"/>
-              <a:t>8/9/2021</a:t>
+              <a:t>9/3/2021</a:t>
             </a:fld>
             <a:endParaRPr lang="en-US"/>
           </a:p>
@@ -1204,7 +1204,7 @@
           <a:p>
             <a:fld id="{BA05AF01-4F0E-4718-A4C1-DFCBB47EE5F2}" type="datetimeFigureOut">
               <a:rPr lang="en-US" smtClean="0"/>
-              <a:t>8/9/2021</a:t>
+              <a:t>9/3/2021</a:t>
             </a:fld>
             <a:endParaRPr lang="en-US"/>
           </a:p>
@@ -1448,7 +1448,7 @@
           <a:p>
             <a:fld id="{BA05AF01-4F0E-4718-A4C1-DFCBB47EE5F2}" type="datetimeFigureOut">
               <a:rPr lang="en-US" smtClean="0"/>
-              <a:t>8/9/2021</a:t>
+              <a:t>9/3/2021</a:t>
             </a:fld>
             <a:endParaRPr lang="en-US"/>
           </a:p>
@@ -1680,7 +1680,7 @@
           <a:p>
             <a:fld id="{BA05AF01-4F0E-4718-A4C1-DFCBB47EE5F2}" type="datetimeFigureOut">
               <a:rPr lang="en-US" smtClean="0"/>
-              <a:t>8/9/2021</a:t>
+              <a:t>9/3/2021</a:t>
             </a:fld>
             <a:endParaRPr lang="en-US"/>
           </a:p>
@@ -2047,7 +2047,7 @@
           <a:p>
             <a:fld id="{BA05AF01-4F0E-4718-A4C1-DFCBB47EE5F2}" type="datetimeFigureOut">
               <a:rPr lang="en-US" smtClean="0"/>
-              <a:t>8/9/2021</a:t>
+              <a:t>9/3/2021</a:t>
             </a:fld>
             <a:endParaRPr lang="en-US"/>
           </a:p>
@@ -2165,7 +2165,7 @@
           <a:p>
             <a:fld id="{BA05AF01-4F0E-4718-A4C1-DFCBB47EE5F2}" type="datetimeFigureOut">
               <a:rPr lang="en-US" smtClean="0"/>
-              <a:t>8/9/2021</a:t>
+              <a:t>9/3/2021</a:t>
             </a:fld>
             <a:endParaRPr lang="en-US"/>
           </a:p>
@@ -2260,7 +2260,7 @@
           <a:p>
             <a:fld id="{BA05AF01-4F0E-4718-A4C1-DFCBB47EE5F2}" type="datetimeFigureOut">
               <a:rPr lang="en-US" smtClean="0"/>
-              <a:t>8/9/2021</a:t>
+              <a:t>9/3/2021</a:t>
             </a:fld>
             <a:endParaRPr lang="en-US"/>
           </a:p>
@@ -2537,7 +2537,7 @@
           <a:p>
             <a:fld id="{BA05AF01-4F0E-4718-A4C1-DFCBB47EE5F2}" type="datetimeFigureOut">
               <a:rPr lang="en-US" smtClean="0"/>
-              <a:t>8/9/2021</a:t>
+              <a:t>9/3/2021</a:t>
             </a:fld>
             <a:endParaRPr lang="en-US"/>
           </a:p>
@@ -2794,7 +2794,7 @@
           <a:p>
             <a:fld id="{BA05AF01-4F0E-4718-A4C1-DFCBB47EE5F2}" type="datetimeFigureOut">
               <a:rPr lang="en-US" smtClean="0"/>
-              <a:t>8/9/2021</a:t>
+              <a:t>9/3/2021</a:t>
             </a:fld>
             <a:endParaRPr lang="en-US"/>
           </a:p>
@@ -3007,7 +3007,7 @@
           <a:p>
             <a:fld id="{BA05AF01-4F0E-4718-A4C1-DFCBB47EE5F2}" type="datetimeFigureOut">
               <a:rPr lang="en-US" smtClean="0"/>
-              <a:t>8/9/2021</a:t>
+              <a:t>9/3/2021</a:t>
             </a:fld>
             <a:endParaRPr lang="en-US"/>
           </a:p>
@@ -3448,201 +3448,82 @@
           </a:prstGeom>
         </p:spPr>
       </p:pic>
-      <p:grpSp>
-        <p:nvGrpSpPr>
-          <p:cNvPr id="3" name="Group 2">
+      <p:sp>
+        <p:nvSpPr>
+          <p:cNvPr id="204" name="TextBox 203">
             <a:extLst>
               <a:ext uri="{FF2B5EF4-FFF2-40B4-BE49-F238E27FC236}">
-                <a16:creationId xmlns:a16="http://schemas.microsoft.com/office/drawing/2014/main" id="{5B781D9F-67E4-4D1A-B783-022E1D6C21C8}"/>
+                <a16:creationId xmlns:a16="http://schemas.microsoft.com/office/drawing/2014/main" id="{9D40742C-C210-498B-83FA-963560774F93}"/>
               </a:ext>
             </a:extLst>
           </p:cNvPr>
-          <p:cNvGrpSpPr/>
+          <p:cNvSpPr txBox="1"/>
           <p:nvPr/>
-        </p:nvGrpSpPr>
-        <p:grpSpPr>
+        </p:nvSpPr>
+        <p:spPr>
           <a:xfrm>
-            <a:off x="753129" y="10197989"/>
-            <a:ext cx="1739625" cy="930138"/>
-            <a:chOff x="487023" y="8901268"/>
-            <a:chExt cx="1739625" cy="930138"/>
+            <a:off x="1227612" y="10197989"/>
+            <a:ext cx="1265142" cy="369332"/>
           </a:xfrm>
-        </p:grpSpPr>
-        <p:sp>
-          <p:nvSpPr>
-            <p:cNvPr id="139" name="Rectangle 138">
-              <a:extLst>
-                <a:ext uri="{FF2B5EF4-FFF2-40B4-BE49-F238E27FC236}">
-                  <a16:creationId xmlns:a16="http://schemas.microsoft.com/office/drawing/2014/main" id="{E1272F6E-17BD-46AA-8137-76B6FDB8D17B}"/>
-                </a:ext>
-              </a:extLst>
-            </p:cNvPr>
-            <p:cNvSpPr/>
-            <p:nvPr/>
-          </p:nvSpPr>
-          <p:spPr>
-            <a:xfrm>
-              <a:off x="487024" y="8904024"/>
-              <a:ext cx="341797" cy="369332"/>
-            </a:xfrm>
-            <a:prstGeom prst="rect">
-              <a:avLst/>
-            </a:prstGeom>
-            <a:solidFill>
-              <a:srgbClr val="E8718C"/>
-            </a:solidFill>
-          </p:spPr>
-          <p:style>
-            <a:lnRef idx="2">
-              <a:schemeClr val="accent1">
-                <a:shade val="50000"/>
-              </a:schemeClr>
-            </a:lnRef>
-            <a:fillRef idx="1">
-              <a:schemeClr val="accent1"/>
-            </a:fillRef>
-            <a:effectRef idx="0">
-              <a:schemeClr val="accent1"/>
-            </a:effectRef>
-            <a:fontRef idx="minor">
-              <a:schemeClr val="lt1"/>
-            </a:fontRef>
-          </p:style>
-          <p:txBody>
-            <a:bodyPr rtlCol="0" anchor="ctr"/>
-            <a:lstStyle/>
-            <a:p>
-              <a:pPr algn="ctr"/>
-              <a:endParaRPr lang="en-US"/>
-            </a:p>
-          </p:txBody>
-        </p:sp>
-        <p:sp>
-          <p:nvSpPr>
-            <p:cNvPr id="204" name="TextBox 203">
-              <a:extLst>
-                <a:ext uri="{FF2B5EF4-FFF2-40B4-BE49-F238E27FC236}">
-                  <a16:creationId xmlns:a16="http://schemas.microsoft.com/office/drawing/2014/main" id="{9D40742C-C210-498B-83FA-963560774F93}"/>
-                </a:ext>
-              </a:extLst>
-            </p:cNvPr>
-            <p:cNvSpPr txBox="1"/>
-            <p:nvPr/>
-          </p:nvSpPr>
-          <p:spPr>
-            <a:xfrm>
-              <a:off x="961506" y="8901268"/>
-              <a:ext cx="1265142" cy="369332"/>
-            </a:xfrm>
-            <a:prstGeom prst="rect">
-              <a:avLst/>
-            </a:prstGeom>
-            <a:noFill/>
-          </p:spPr>
-          <p:txBody>
-            <a:bodyPr wrap="square" rtlCol="0">
-              <a:spAutoFit/>
-            </a:bodyPr>
-            <a:lstStyle/>
-            <a:p>
-              <a:r>
-                <a:rPr lang="en-US" dirty="0">
-                  <a:latin typeface="Times New Roman" panose="02020603050405020304" pitchFamily="18" charset="0"/>
-                  <a:cs typeface="Times New Roman" panose="02020603050405020304" pitchFamily="18" charset="0"/>
-                </a:rPr>
-                <a:t>Protein</a:t>
-              </a:r>
-            </a:p>
-          </p:txBody>
-        </p:sp>
-        <p:sp>
-          <p:nvSpPr>
-            <p:cNvPr id="207" name="Rectangle 206">
-              <a:extLst>
-                <a:ext uri="{FF2B5EF4-FFF2-40B4-BE49-F238E27FC236}">
-                  <a16:creationId xmlns:a16="http://schemas.microsoft.com/office/drawing/2014/main" id="{E06CE555-865F-4974-B199-72535AA2758F}"/>
-                </a:ext>
-              </a:extLst>
-            </p:cNvPr>
-            <p:cNvSpPr/>
-            <p:nvPr/>
-          </p:nvSpPr>
-          <p:spPr>
-            <a:xfrm>
-              <a:off x="487023" y="9462074"/>
-              <a:ext cx="341797" cy="369332"/>
-            </a:xfrm>
-            <a:prstGeom prst="rect">
-              <a:avLst/>
-            </a:prstGeom>
-            <a:solidFill>
-              <a:srgbClr val="56B288"/>
-            </a:solidFill>
-          </p:spPr>
-          <p:style>
-            <a:lnRef idx="2">
-              <a:schemeClr val="accent1">
-                <a:shade val="50000"/>
-              </a:schemeClr>
-            </a:lnRef>
-            <a:fillRef idx="1">
-              <a:schemeClr val="accent1"/>
-            </a:fillRef>
-            <a:effectRef idx="0">
-              <a:schemeClr val="accent1"/>
-            </a:effectRef>
-            <a:fontRef idx="minor">
-              <a:schemeClr val="lt1"/>
-            </a:fontRef>
-          </p:style>
-          <p:txBody>
-            <a:bodyPr rtlCol="0" anchor="ctr"/>
-            <a:lstStyle/>
-            <a:p>
-              <a:pPr algn="ctr"/>
-              <a:endParaRPr lang="en-US"/>
-            </a:p>
-          </p:txBody>
-        </p:sp>
-        <p:sp>
-          <p:nvSpPr>
-            <p:cNvPr id="208" name="TextBox 207">
-              <a:extLst>
-                <a:ext uri="{FF2B5EF4-FFF2-40B4-BE49-F238E27FC236}">
-                  <a16:creationId xmlns:a16="http://schemas.microsoft.com/office/drawing/2014/main" id="{540CD12B-0C7D-45BC-A029-6DD636E57A4B}"/>
-                </a:ext>
-              </a:extLst>
-            </p:cNvPr>
-            <p:cNvSpPr txBox="1"/>
-            <p:nvPr/>
-          </p:nvSpPr>
-          <p:spPr>
-            <a:xfrm>
-              <a:off x="961506" y="9462074"/>
-              <a:ext cx="1265142" cy="369332"/>
-            </a:xfrm>
-            <a:prstGeom prst="rect">
-              <a:avLst/>
-            </a:prstGeom>
-            <a:noFill/>
-          </p:spPr>
-          <p:txBody>
-            <a:bodyPr wrap="square" rtlCol="0">
-              <a:spAutoFit/>
-            </a:bodyPr>
-            <a:lstStyle/>
-            <a:p>
-              <a:r>
-                <a:rPr lang="en-US" dirty="0">
-                  <a:latin typeface="Times New Roman" panose="02020603050405020304" pitchFamily="18" charset="0"/>
-                  <a:cs typeface="Times New Roman" panose="02020603050405020304" pitchFamily="18" charset="0"/>
-                </a:rPr>
-                <a:t>Ligand</a:t>
-              </a:r>
-            </a:p>
-          </p:txBody>
-        </p:sp>
-      </p:grpSp>
+          <a:prstGeom prst="rect">
+            <a:avLst/>
+          </a:prstGeom>
+          <a:noFill/>
+        </p:spPr>
+        <p:txBody>
+          <a:bodyPr wrap="square" rtlCol="0">
+            <a:spAutoFit/>
+          </a:bodyPr>
+          <a:lstStyle/>
+          <a:p>
+            <a:r>
+              <a:rPr lang="en-US" dirty="0">
+                <a:latin typeface="Times New Roman" panose="02020603050405020304" pitchFamily="18" charset="0"/>
+                <a:cs typeface="Times New Roman" panose="02020603050405020304" pitchFamily="18" charset="0"/>
+              </a:rPr>
+              <a:t>Protein</a:t>
+            </a:r>
+          </a:p>
+        </p:txBody>
+      </p:sp>
+      <p:sp>
+        <p:nvSpPr>
+          <p:cNvPr id="208" name="TextBox 207">
+            <a:extLst>
+              <a:ext uri="{FF2B5EF4-FFF2-40B4-BE49-F238E27FC236}">
+                <a16:creationId xmlns:a16="http://schemas.microsoft.com/office/drawing/2014/main" id="{540CD12B-0C7D-45BC-A029-6DD636E57A4B}"/>
+              </a:ext>
+            </a:extLst>
+          </p:cNvPr>
+          <p:cNvSpPr txBox="1"/>
+          <p:nvPr/>
+        </p:nvSpPr>
+        <p:spPr>
+          <a:xfrm>
+            <a:off x="1227612" y="10758795"/>
+            <a:ext cx="1265142" cy="369332"/>
+          </a:xfrm>
+          <a:prstGeom prst="rect">
+            <a:avLst/>
+          </a:prstGeom>
+          <a:noFill/>
+        </p:spPr>
+        <p:txBody>
+          <a:bodyPr wrap="square" rtlCol="0">
+            <a:spAutoFit/>
+          </a:bodyPr>
+          <a:lstStyle/>
+          <a:p>
+            <a:r>
+              <a:rPr lang="en-US" dirty="0">
+                <a:latin typeface="Times New Roman" panose="02020603050405020304" pitchFamily="18" charset="0"/>
+                <a:cs typeface="Times New Roman" panose="02020603050405020304" pitchFamily="18" charset="0"/>
+              </a:rPr>
+              <a:t>Ligand</a:t>
+            </a:r>
+          </a:p>
+        </p:txBody>
+      </p:sp>
       <p:graphicFrame>
         <p:nvGraphicFramePr>
           <p:cNvPr id="248" name="Table 248">
@@ -3991,7 +3872,7 @@
                 <a:latin typeface="Times New Roman" panose="02020603050405020304" pitchFamily="18" charset="0"/>
                 <a:cs typeface="Times New Roman" panose="02020603050405020304" pitchFamily="18" charset="0"/>
               </a:rPr>
-              <a:t>a</a:t>
+              <a:t>A</a:t>
             </a:r>
           </a:p>
         </p:txBody>
@@ -4599,7 +4480,7 @@
                 <a:latin typeface="Times New Roman" panose="02020603050405020304" pitchFamily="18" charset="0"/>
                 <a:cs typeface="Times New Roman" panose="02020603050405020304" pitchFamily="18" charset="0"/>
               </a:rPr>
-              <a:t>b</a:t>
+              <a:t>B</a:t>
             </a:r>
           </a:p>
         </p:txBody>
@@ -4637,7 +4518,7 @@
                 <a:latin typeface="Times New Roman" panose="02020603050405020304" pitchFamily="18" charset="0"/>
                 <a:cs typeface="Times New Roman" panose="02020603050405020304" pitchFamily="18" charset="0"/>
               </a:rPr>
-              <a:t>c</a:t>
+              <a:t>C</a:t>
             </a:r>
           </a:p>
         </p:txBody>
@@ -4675,7 +4556,7 @@
                 <a:latin typeface="Times New Roman" panose="02020603050405020304" pitchFamily="18" charset="0"/>
                 <a:cs typeface="Times New Roman" panose="02020603050405020304" pitchFamily="18" charset="0"/>
               </a:rPr>
-              <a:t>d</a:t>
+              <a:t>D</a:t>
             </a:r>
           </a:p>
         </p:txBody>
@@ -6252,7 +6133,7 @@
                     <a:latin typeface="Times New Roman" panose="02020603050405020304" pitchFamily="18" charset="0"/>
                     <a:cs typeface="Times New Roman" panose="02020603050405020304" pitchFamily="18" charset="0"/>
                   </a:rPr>
-                  <a:t>e</a:t>
+                  <a:t>E</a:t>
                 </a:r>
               </a:p>
             </p:txBody>
@@ -6496,6 +6377,107 @@
               </a:rPr>
               <a:t>Average ki (nM)</a:t>
             </a:r>
+          </a:p>
+        </p:txBody>
+      </p:sp>
+      <p:sp>
+        <p:nvSpPr>
+          <p:cNvPr id="72" name="Oval 71">
+            <a:extLst>
+              <a:ext uri="{FF2B5EF4-FFF2-40B4-BE49-F238E27FC236}">
+                <a16:creationId xmlns:a16="http://schemas.microsoft.com/office/drawing/2014/main" id="{7056BD2B-3996-4C59-A1A5-B9A2DF53F123}"/>
+              </a:ext>
+            </a:extLst>
+          </p:cNvPr>
+          <p:cNvSpPr/>
+          <p:nvPr/>
+        </p:nvSpPr>
+        <p:spPr>
+          <a:xfrm>
+            <a:off x="729252" y="10785584"/>
+            <a:ext cx="364294" cy="342543"/>
+          </a:xfrm>
+          <a:prstGeom prst="ellipse">
+            <a:avLst/>
+          </a:prstGeom>
+          <a:solidFill>
+            <a:schemeClr val="accent6">
+              <a:lumMod val="60000"/>
+              <a:lumOff val="40000"/>
+            </a:schemeClr>
+          </a:solidFill>
+        </p:spPr>
+        <p:style>
+          <a:lnRef idx="2">
+            <a:schemeClr val="accent1">
+              <a:shade val="50000"/>
+            </a:schemeClr>
+          </a:lnRef>
+          <a:fillRef idx="1">
+            <a:schemeClr val="accent1"/>
+          </a:fillRef>
+          <a:effectRef idx="0">
+            <a:schemeClr val="accent1"/>
+          </a:effectRef>
+          <a:fontRef idx="minor">
+            <a:schemeClr val="lt1"/>
+          </a:fontRef>
+        </p:style>
+        <p:txBody>
+          <a:bodyPr rtlCol="0" anchor="ctr"/>
+          <a:lstStyle/>
+          <a:p>
+            <a:pPr algn="ctr"/>
+            <a:endParaRPr lang="en-US" sz="1801"/>
+          </a:p>
+        </p:txBody>
+      </p:sp>
+      <p:sp>
+        <p:nvSpPr>
+          <p:cNvPr id="73" name="Oval 72">
+            <a:extLst>
+              <a:ext uri="{FF2B5EF4-FFF2-40B4-BE49-F238E27FC236}">
+                <a16:creationId xmlns:a16="http://schemas.microsoft.com/office/drawing/2014/main" id="{BBC33454-9CC9-4E86-AF06-4EEAADC14EC8}"/>
+              </a:ext>
+            </a:extLst>
+          </p:cNvPr>
+          <p:cNvSpPr/>
+          <p:nvPr/>
+        </p:nvSpPr>
+        <p:spPr>
+          <a:xfrm>
+            <a:off x="729252" y="10234438"/>
+            <a:ext cx="364294" cy="342543"/>
+          </a:xfrm>
+          <a:prstGeom prst="ellipse">
+            <a:avLst/>
+          </a:prstGeom>
+          <a:solidFill>
+            <a:srgbClr val="E8718C"/>
+          </a:solidFill>
+        </p:spPr>
+        <p:style>
+          <a:lnRef idx="2">
+            <a:schemeClr val="accent1">
+              <a:shade val="50000"/>
+            </a:schemeClr>
+          </a:lnRef>
+          <a:fillRef idx="1">
+            <a:schemeClr val="accent1"/>
+          </a:fillRef>
+          <a:effectRef idx="0">
+            <a:schemeClr val="accent1"/>
+          </a:effectRef>
+          <a:fontRef idx="minor">
+            <a:schemeClr val="lt1"/>
+          </a:fontRef>
+        </p:style>
+        <p:txBody>
+          <a:bodyPr rtlCol="0" anchor="ctr"/>
+          <a:lstStyle/>
+          <a:p>
+            <a:pPr algn="ctr"/>
+            <a:endParaRPr lang="en-US" sz="1801"/>
           </a:p>
         </p:txBody>
       </p:sp>

--- a/Images/fig2.pptx
+++ b/Images/fig2.pptx
@@ -197,7 +197,7 @@
           <a:p>
             <a:fld id="{D34CEA9E-E5A5-49C8-A578-AF124664FEC0}" type="datetimeFigureOut">
               <a:rPr lang="en-US" smtClean="0"/>
-              <a:t>9/3/2021</a:t>
+              <a:t>9/11/2021</a:t>
             </a:fld>
             <a:endParaRPr lang="en-US"/>
           </a:p>
@@ -684,7 +684,7 @@
           <a:p>
             <a:fld id="{BA05AF01-4F0E-4718-A4C1-DFCBB47EE5F2}" type="datetimeFigureOut">
               <a:rPr lang="en-US" smtClean="0"/>
-              <a:t>9/3/2021</a:t>
+              <a:t>9/11/2021</a:t>
             </a:fld>
             <a:endParaRPr lang="en-US"/>
           </a:p>
@@ -854,7 +854,7 @@
           <a:p>
             <a:fld id="{BA05AF01-4F0E-4718-A4C1-DFCBB47EE5F2}" type="datetimeFigureOut">
               <a:rPr lang="en-US" smtClean="0"/>
-              <a:t>9/3/2021</a:t>
+              <a:t>9/11/2021</a:t>
             </a:fld>
             <a:endParaRPr lang="en-US"/>
           </a:p>
@@ -1034,7 +1034,7 @@
           <a:p>
             <a:fld id="{BA05AF01-4F0E-4718-A4C1-DFCBB47EE5F2}" type="datetimeFigureOut">
               <a:rPr lang="en-US" smtClean="0"/>
-              <a:t>9/3/2021</a:t>
+              <a:t>9/11/2021</a:t>
             </a:fld>
             <a:endParaRPr lang="en-US"/>
           </a:p>
@@ -1204,7 +1204,7 @@
           <a:p>
             <a:fld id="{BA05AF01-4F0E-4718-A4C1-DFCBB47EE5F2}" type="datetimeFigureOut">
               <a:rPr lang="en-US" smtClean="0"/>
-              <a:t>9/3/2021</a:t>
+              <a:t>9/11/2021</a:t>
             </a:fld>
             <a:endParaRPr lang="en-US"/>
           </a:p>
@@ -1448,7 +1448,7 @@
           <a:p>
             <a:fld id="{BA05AF01-4F0E-4718-A4C1-DFCBB47EE5F2}" type="datetimeFigureOut">
               <a:rPr lang="en-US" smtClean="0"/>
-              <a:t>9/3/2021</a:t>
+              <a:t>9/11/2021</a:t>
             </a:fld>
             <a:endParaRPr lang="en-US"/>
           </a:p>
@@ -1680,7 +1680,7 @@
           <a:p>
             <a:fld id="{BA05AF01-4F0E-4718-A4C1-DFCBB47EE5F2}" type="datetimeFigureOut">
               <a:rPr lang="en-US" smtClean="0"/>
-              <a:t>9/3/2021</a:t>
+              <a:t>9/11/2021</a:t>
             </a:fld>
             <a:endParaRPr lang="en-US"/>
           </a:p>
@@ -2047,7 +2047,7 @@
           <a:p>
             <a:fld id="{BA05AF01-4F0E-4718-A4C1-DFCBB47EE5F2}" type="datetimeFigureOut">
               <a:rPr lang="en-US" smtClean="0"/>
-              <a:t>9/3/2021</a:t>
+              <a:t>9/11/2021</a:t>
             </a:fld>
             <a:endParaRPr lang="en-US"/>
           </a:p>
@@ -2165,7 +2165,7 @@
           <a:p>
             <a:fld id="{BA05AF01-4F0E-4718-A4C1-DFCBB47EE5F2}" type="datetimeFigureOut">
               <a:rPr lang="en-US" smtClean="0"/>
-              <a:t>9/3/2021</a:t>
+              <a:t>9/11/2021</a:t>
             </a:fld>
             <a:endParaRPr lang="en-US"/>
           </a:p>
@@ -2260,7 +2260,7 @@
           <a:p>
             <a:fld id="{BA05AF01-4F0E-4718-A4C1-DFCBB47EE5F2}" type="datetimeFigureOut">
               <a:rPr lang="en-US" smtClean="0"/>
-              <a:t>9/3/2021</a:t>
+              <a:t>9/11/2021</a:t>
             </a:fld>
             <a:endParaRPr lang="en-US"/>
           </a:p>
@@ -2537,7 +2537,7 @@
           <a:p>
             <a:fld id="{BA05AF01-4F0E-4718-A4C1-DFCBB47EE5F2}" type="datetimeFigureOut">
               <a:rPr lang="en-US" smtClean="0"/>
-              <a:t>9/3/2021</a:t>
+              <a:t>9/11/2021</a:t>
             </a:fld>
             <a:endParaRPr lang="en-US"/>
           </a:p>
@@ -2794,7 +2794,7 @@
           <a:p>
             <a:fld id="{BA05AF01-4F0E-4718-A4C1-DFCBB47EE5F2}" type="datetimeFigureOut">
               <a:rPr lang="en-US" smtClean="0"/>
-              <a:t>9/3/2021</a:t>
+              <a:t>9/11/2021</a:t>
             </a:fld>
             <a:endParaRPr lang="en-US"/>
           </a:p>
@@ -3007,7 +3007,7 @@
           <a:p>
             <a:fld id="{BA05AF01-4F0E-4718-A4C1-DFCBB47EE5F2}" type="datetimeFigureOut">
               <a:rPr lang="en-US" smtClean="0"/>
-              <a:t>9/3/2021</a:t>
+              <a:t>9/11/2021</a:t>
             </a:fld>
             <a:endParaRPr lang="en-US"/>
           </a:p>
@@ -3539,7 +3539,7 @@
           <p:nvPr>
             <p:extLst>
               <p:ext uri="{D42A27DB-BD31-4B8C-83A1-F6EECF244321}">
-                <p14:modId xmlns:p14="http://schemas.microsoft.com/office/powerpoint/2010/main" val="3647282881"/>
+                <p14:modId xmlns:p14="http://schemas.microsoft.com/office/powerpoint/2010/main" val="1860442628"/>
               </p:ext>
             </p:extLst>
           </p:nvPr>
@@ -3792,7 +3792,7 @@
                           <a:latin typeface="Times New Roman" panose="02020603050405020304" pitchFamily="18" charset="0"/>
                           <a:cs typeface="Times New Roman" panose="02020603050405020304" pitchFamily="18" charset="0"/>
                         </a:rPr>
-                        <a:t>Edges</a:t>
+                        <a:t>Positive Edges</a:t>
                       </a:r>
                     </a:p>
                   </a:txBody>

--- a/Images/fig2.pptx
+++ b/Images/fig2.pptx
@@ -197,7 +197,7 @@
           <a:p>
             <a:fld id="{D34CEA9E-E5A5-49C8-A578-AF124664FEC0}" type="datetimeFigureOut">
               <a:rPr lang="en-US" smtClean="0"/>
-              <a:t>9/11/2021</a:t>
+              <a:t>9/30/2021</a:t>
             </a:fld>
             <a:endParaRPr lang="en-US"/>
           </a:p>
@@ -684,7 +684,7 @@
           <a:p>
             <a:fld id="{BA05AF01-4F0E-4718-A4C1-DFCBB47EE5F2}" type="datetimeFigureOut">
               <a:rPr lang="en-US" smtClean="0"/>
-              <a:t>9/11/2021</a:t>
+              <a:t>9/30/2021</a:t>
             </a:fld>
             <a:endParaRPr lang="en-US"/>
           </a:p>
@@ -854,7 +854,7 @@
           <a:p>
             <a:fld id="{BA05AF01-4F0E-4718-A4C1-DFCBB47EE5F2}" type="datetimeFigureOut">
               <a:rPr lang="en-US" smtClean="0"/>
-              <a:t>9/11/2021</a:t>
+              <a:t>9/30/2021</a:t>
             </a:fld>
             <a:endParaRPr lang="en-US"/>
           </a:p>
@@ -1034,7 +1034,7 @@
           <a:p>
             <a:fld id="{BA05AF01-4F0E-4718-A4C1-DFCBB47EE5F2}" type="datetimeFigureOut">
               <a:rPr lang="en-US" smtClean="0"/>
-              <a:t>9/11/2021</a:t>
+              <a:t>9/30/2021</a:t>
             </a:fld>
             <a:endParaRPr lang="en-US"/>
           </a:p>
@@ -1204,7 +1204,7 @@
           <a:p>
             <a:fld id="{BA05AF01-4F0E-4718-A4C1-DFCBB47EE5F2}" type="datetimeFigureOut">
               <a:rPr lang="en-US" smtClean="0"/>
-              <a:t>9/11/2021</a:t>
+              <a:t>9/30/2021</a:t>
             </a:fld>
             <a:endParaRPr lang="en-US"/>
           </a:p>
@@ -1448,7 +1448,7 @@
           <a:p>
             <a:fld id="{BA05AF01-4F0E-4718-A4C1-DFCBB47EE5F2}" type="datetimeFigureOut">
               <a:rPr lang="en-US" smtClean="0"/>
-              <a:t>9/11/2021</a:t>
+              <a:t>9/30/2021</a:t>
             </a:fld>
             <a:endParaRPr lang="en-US"/>
           </a:p>
@@ -1680,7 +1680,7 @@
           <a:p>
             <a:fld id="{BA05AF01-4F0E-4718-A4C1-DFCBB47EE5F2}" type="datetimeFigureOut">
               <a:rPr lang="en-US" smtClean="0"/>
-              <a:t>9/11/2021</a:t>
+              <a:t>9/30/2021</a:t>
             </a:fld>
             <a:endParaRPr lang="en-US"/>
           </a:p>
@@ -2047,7 +2047,7 @@
           <a:p>
             <a:fld id="{BA05AF01-4F0E-4718-A4C1-DFCBB47EE5F2}" type="datetimeFigureOut">
               <a:rPr lang="en-US" smtClean="0"/>
-              <a:t>9/11/2021</a:t>
+              <a:t>9/30/2021</a:t>
             </a:fld>
             <a:endParaRPr lang="en-US"/>
           </a:p>
@@ -2165,7 +2165,7 @@
           <a:p>
             <a:fld id="{BA05AF01-4F0E-4718-A4C1-DFCBB47EE5F2}" type="datetimeFigureOut">
               <a:rPr lang="en-US" smtClean="0"/>
-              <a:t>9/11/2021</a:t>
+              <a:t>9/30/2021</a:t>
             </a:fld>
             <a:endParaRPr lang="en-US"/>
           </a:p>
@@ -2260,7 +2260,7 @@
           <a:p>
             <a:fld id="{BA05AF01-4F0E-4718-A4C1-DFCBB47EE5F2}" type="datetimeFigureOut">
               <a:rPr lang="en-US" smtClean="0"/>
-              <a:t>9/11/2021</a:t>
+              <a:t>9/30/2021</a:t>
             </a:fld>
             <a:endParaRPr lang="en-US"/>
           </a:p>
@@ -2537,7 +2537,7 @@
           <a:p>
             <a:fld id="{BA05AF01-4F0E-4718-A4C1-DFCBB47EE5F2}" type="datetimeFigureOut">
               <a:rPr lang="en-US" smtClean="0"/>
-              <a:t>9/11/2021</a:t>
+              <a:t>9/30/2021</a:t>
             </a:fld>
             <a:endParaRPr lang="en-US"/>
           </a:p>
@@ -2794,7 +2794,7 @@
           <a:p>
             <a:fld id="{BA05AF01-4F0E-4718-A4C1-DFCBB47EE5F2}" type="datetimeFigureOut">
               <a:rPr lang="en-US" smtClean="0"/>
-              <a:t>9/11/2021</a:t>
+              <a:t>9/30/2021</a:t>
             </a:fld>
             <a:endParaRPr lang="en-US"/>
           </a:p>
@@ -3007,7 +3007,7 @@
           <a:p>
             <a:fld id="{BA05AF01-4F0E-4718-A4C1-DFCBB47EE5F2}" type="datetimeFigureOut">
               <a:rPr lang="en-US" smtClean="0"/>
-              <a:t>9/11/2021</a:t>
+              <a:t>9/30/2021</a:t>
             </a:fld>
             <a:endParaRPr lang="en-US"/>
           </a:p>
@@ -3539,7 +3539,7 @@
           <p:nvPr>
             <p:extLst>
               <p:ext uri="{D42A27DB-BD31-4B8C-83A1-F6EECF244321}">
-                <p14:modId xmlns:p14="http://schemas.microsoft.com/office/powerpoint/2010/main" val="1860442628"/>
+                <p14:modId xmlns:p14="http://schemas.microsoft.com/office/powerpoint/2010/main" val="3538381626"/>
               </p:ext>
             </p:extLst>
           </p:nvPr>
@@ -3582,7 +3582,7 @@
                           <a:latin typeface="Times New Roman" panose="02020603050405020304" pitchFamily="18" charset="0"/>
                           <a:cs typeface="Times New Roman" panose="02020603050405020304" pitchFamily="18" charset="0"/>
                         </a:rPr>
-                        <a:t>DTI Network Statistics</a:t>
+                        <a:t>Protein-Ligand Network Statistics</a:t>
                       </a:r>
                     </a:p>
                   </a:txBody>

--- a/Images/fig2.pptx
+++ b/Images/fig2.pptx
@@ -197,7 +197,7 @@
           <a:p>
             <a:fld id="{D34CEA9E-E5A5-49C8-A578-AF124664FEC0}" type="datetimeFigureOut">
               <a:rPr lang="en-US" smtClean="0"/>
-              <a:t>9/30/2021</a:t>
+              <a:t>11/1/2021</a:t>
             </a:fld>
             <a:endParaRPr lang="en-US"/>
           </a:p>
@@ -684,7 +684,7 @@
           <a:p>
             <a:fld id="{BA05AF01-4F0E-4718-A4C1-DFCBB47EE5F2}" type="datetimeFigureOut">
               <a:rPr lang="en-US" smtClean="0"/>
-              <a:t>9/30/2021</a:t>
+              <a:t>11/1/2021</a:t>
             </a:fld>
             <a:endParaRPr lang="en-US"/>
           </a:p>
@@ -854,7 +854,7 @@
           <a:p>
             <a:fld id="{BA05AF01-4F0E-4718-A4C1-DFCBB47EE5F2}" type="datetimeFigureOut">
               <a:rPr lang="en-US" smtClean="0"/>
-              <a:t>9/30/2021</a:t>
+              <a:t>11/1/2021</a:t>
             </a:fld>
             <a:endParaRPr lang="en-US"/>
           </a:p>
@@ -1034,7 +1034,7 @@
           <a:p>
             <a:fld id="{BA05AF01-4F0E-4718-A4C1-DFCBB47EE5F2}" type="datetimeFigureOut">
               <a:rPr lang="en-US" smtClean="0"/>
-              <a:t>9/30/2021</a:t>
+              <a:t>11/1/2021</a:t>
             </a:fld>
             <a:endParaRPr lang="en-US"/>
           </a:p>
@@ -1204,7 +1204,7 @@
           <a:p>
             <a:fld id="{BA05AF01-4F0E-4718-A4C1-DFCBB47EE5F2}" type="datetimeFigureOut">
               <a:rPr lang="en-US" smtClean="0"/>
-              <a:t>9/30/2021</a:t>
+              <a:t>11/1/2021</a:t>
             </a:fld>
             <a:endParaRPr lang="en-US"/>
           </a:p>
@@ -1448,7 +1448,7 @@
           <a:p>
             <a:fld id="{BA05AF01-4F0E-4718-A4C1-DFCBB47EE5F2}" type="datetimeFigureOut">
               <a:rPr lang="en-US" smtClean="0"/>
-              <a:t>9/30/2021</a:t>
+              <a:t>11/1/2021</a:t>
             </a:fld>
             <a:endParaRPr lang="en-US"/>
           </a:p>
@@ -1680,7 +1680,7 @@
           <a:p>
             <a:fld id="{BA05AF01-4F0E-4718-A4C1-DFCBB47EE5F2}" type="datetimeFigureOut">
               <a:rPr lang="en-US" smtClean="0"/>
-              <a:t>9/30/2021</a:t>
+              <a:t>11/1/2021</a:t>
             </a:fld>
             <a:endParaRPr lang="en-US"/>
           </a:p>
@@ -2047,7 +2047,7 @@
           <a:p>
             <a:fld id="{BA05AF01-4F0E-4718-A4C1-DFCBB47EE5F2}" type="datetimeFigureOut">
               <a:rPr lang="en-US" smtClean="0"/>
-              <a:t>9/30/2021</a:t>
+              <a:t>11/1/2021</a:t>
             </a:fld>
             <a:endParaRPr lang="en-US"/>
           </a:p>
@@ -2165,7 +2165,7 @@
           <a:p>
             <a:fld id="{BA05AF01-4F0E-4718-A4C1-DFCBB47EE5F2}" type="datetimeFigureOut">
               <a:rPr lang="en-US" smtClean="0"/>
-              <a:t>9/30/2021</a:t>
+              <a:t>11/1/2021</a:t>
             </a:fld>
             <a:endParaRPr lang="en-US"/>
           </a:p>
@@ -2260,7 +2260,7 @@
           <a:p>
             <a:fld id="{BA05AF01-4F0E-4718-A4C1-DFCBB47EE5F2}" type="datetimeFigureOut">
               <a:rPr lang="en-US" smtClean="0"/>
-              <a:t>9/30/2021</a:t>
+              <a:t>11/1/2021</a:t>
             </a:fld>
             <a:endParaRPr lang="en-US"/>
           </a:p>
@@ -2537,7 +2537,7 @@
           <a:p>
             <a:fld id="{BA05AF01-4F0E-4718-A4C1-DFCBB47EE5F2}" type="datetimeFigureOut">
               <a:rPr lang="en-US" smtClean="0"/>
-              <a:t>9/30/2021</a:t>
+              <a:t>11/1/2021</a:t>
             </a:fld>
             <a:endParaRPr lang="en-US"/>
           </a:p>
@@ -2794,7 +2794,7 @@
           <a:p>
             <a:fld id="{BA05AF01-4F0E-4718-A4C1-DFCBB47EE5F2}" type="datetimeFigureOut">
               <a:rPr lang="en-US" smtClean="0"/>
-              <a:t>9/30/2021</a:t>
+              <a:t>11/1/2021</a:t>
             </a:fld>
             <a:endParaRPr lang="en-US"/>
           </a:p>
@@ -3007,7 +3007,7 @@
           <a:p>
             <a:fld id="{BA05AF01-4F0E-4718-A4C1-DFCBB47EE5F2}" type="datetimeFigureOut">
               <a:rPr lang="en-US" smtClean="0"/>
-              <a:t>9/30/2021</a:t>
+              <a:t>11/1/2021</a:t>
             </a:fld>
             <a:endParaRPr lang="en-US"/>
           </a:p>
@@ -4575,10 +4575,10 @@
         </p:nvGrpSpPr>
         <p:grpSpPr>
           <a:xfrm>
-            <a:off x="461273" y="12017881"/>
-            <a:ext cx="15010693" cy="4347994"/>
-            <a:chOff x="241045" y="11962618"/>
-            <a:chExt cx="15010693" cy="4347994"/>
+            <a:off x="114129" y="12013225"/>
+            <a:ext cx="15357837" cy="4352650"/>
+            <a:chOff x="-106099" y="11957962"/>
+            <a:chExt cx="15357837" cy="4352650"/>
           </a:xfrm>
         </p:grpSpPr>
         <p:sp>
@@ -4633,10 +4633,10 @@
           </p:nvGrpSpPr>
           <p:grpSpPr>
             <a:xfrm>
-              <a:off x="241045" y="11962618"/>
-              <a:ext cx="14563366" cy="4347994"/>
-              <a:chOff x="241045" y="11962618"/>
-              <a:chExt cx="14563366" cy="4347994"/>
+              <a:off x="-106099" y="11957962"/>
+              <a:ext cx="14910510" cy="4352650"/>
+              <a:chOff x="-106099" y="11957962"/>
+              <a:chExt cx="14910510" cy="4352650"/>
             </a:xfrm>
           </p:grpSpPr>
           <p:sp>
@@ -6114,7 +6114,7 @@
             </p:nvSpPr>
             <p:spPr>
               <a:xfrm>
-                <a:off x="241045" y="11962618"/>
+                <a:off x="-106099" y="11957962"/>
                 <a:ext cx="1974199" cy="584775"/>
               </a:xfrm>
               <a:prstGeom prst="rect">
@@ -6375,7 +6375,30 @@
                 <a:latin typeface="Times New Roman" panose="02020603050405020304" pitchFamily="18" charset="0"/>
                 <a:cs typeface="Times New Roman" panose="02020603050405020304" pitchFamily="18" charset="0"/>
               </a:rPr>
-              <a:t>Average ki (nM)</a:t>
+              <a:t>Average </a:t>
+            </a:r>
+            <a:r>
+              <a:rPr lang="en-US" sz="1600" dirty="0">
+                <a:effectLst/>
+                <a:latin typeface="Times New Roman" panose="02020603050405020304" pitchFamily="18" charset="0"/>
+                <a:ea typeface="Calibri" panose="020F0502020204030204" pitchFamily="34" charset="0"/>
+              </a:rPr>
+              <a:t>K</a:t>
+            </a:r>
+            <a:r>
+              <a:rPr lang="en-US" sz="1600" baseline="-25000" dirty="0">
+                <a:effectLst/>
+                <a:latin typeface="Times New Roman" panose="02020603050405020304" pitchFamily="18" charset="0"/>
+                <a:ea typeface="Calibri" panose="020F0502020204030204" pitchFamily="34" charset="0"/>
+              </a:rPr>
+              <a:t>i</a:t>
+            </a:r>
+            <a:r>
+              <a:rPr lang="en-US" sz="1600" dirty="0">
+                <a:latin typeface="Times New Roman" panose="02020603050405020304" pitchFamily="18" charset="0"/>
+                <a:cs typeface="Times New Roman" panose="02020603050405020304" pitchFamily="18" charset="0"/>
+              </a:rPr>
+              <a:t> (nM)</a:t>
             </a:r>
           </a:p>
         </p:txBody>

--- a/Images/fig2.pptx
+++ b/Images/fig2.pptx
@@ -197,7 +197,7 @@
           <a:p>
             <a:fld id="{D34CEA9E-E5A5-49C8-A578-AF124664FEC0}" type="datetimeFigureOut">
               <a:rPr lang="en-US" smtClean="0"/>
-              <a:t>11/1/2021</a:t>
+              <a:t>12/9/2021</a:t>
             </a:fld>
             <a:endParaRPr lang="en-US"/>
           </a:p>
@@ -684,7 +684,7 @@
           <a:p>
             <a:fld id="{BA05AF01-4F0E-4718-A4C1-DFCBB47EE5F2}" type="datetimeFigureOut">
               <a:rPr lang="en-US" smtClean="0"/>
-              <a:t>11/1/2021</a:t>
+              <a:t>12/9/2021</a:t>
             </a:fld>
             <a:endParaRPr lang="en-US"/>
           </a:p>
@@ -854,7 +854,7 @@
           <a:p>
             <a:fld id="{BA05AF01-4F0E-4718-A4C1-DFCBB47EE5F2}" type="datetimeFigureOut">
               <a:rPr lang="en-US" smtClean="0"/>
-              <a:t>11/1/2021</a:t>
+              <a:t>12/9/2021</a:t>
             </a:fld>
             <a:endParaRPr lang="en-US"/>
           </a:p>
@@ -1034,7 +1034,7 @@
           <a:p>
             <a:fld id="{BA05AF01-4F0E-4718-A4C1-DFCBB47EE5F2}" type="datetimeFigureOut">
               <a:rPr lang="en-US" smtClean="0"/>
-              <a:t>11/1/2021</a:t>
+              <a:t>12/9/2021</a:t>
             </a:fld>
             <a:endParaRPr lang="en-US"/>
           </a:p>
@@ -1204,7 +1204,7 @@
           <a:p>
             <a:fld id="{BA05AF01-4F0E-4718-A4C1-DFCBB47EE5F2}" type="datetimeFigureOut">
               <a:rPr lang="en-US" smtClean="0"/>
-              <a:t>11/1/2021</a:t>
+              <a:t>12/9/2021</a:t>
             </a:fld>
             <a:endParaRPr lang="en-US"/>
           </a:p>
@@ -1448,7 +1448,7 @@
           <a:p>
             <a:fld id="{BA05AF01-4F0E-4718-A4C1-DFCBB47EE5F2}" type="datetimeFigureOut">
               <a:rPr lang="en-US" smtClean="0"/>
-              <a:t>11/1/2021</a:t>
+              <a:t>12/9/2021</a:t>
             </a:fld>
             <a:endParaRPr lang="en-US"/>
           </a:p>
@@ -1680,7 +1680,7 @@
           <a:p>
             <a:fld id="{BA05AF01-4F0E-4718-A4C1-DFCBB47EE5F2}" type="datetimeFigureOut">
               <a:rPr lang="en-US" smtClean="0"/>
-              <a:t>11/1/2021</a:t>
+              <a:t>12/9/2021</a:t>
             </a:fld>
             <a:endParaRPr lang="en-US"/>
           </a:p>
@@ -2047,7 +2047,7 @@
           <a:p>
             <a:fld id="{BA05AF01-4F0E-4718-A4C1-DFCBB47EE5F2}" type="datetimeFigureOut">
               <a:rPr lang="en-US" smtClean="0"/>
-              <a:t>11/1/2021</a:t>
+              <a:t>12/9/2021</a:t>
             </a:fld>
             <a:endParaRPr lang="en-US"/>
           </a:p>
@@ -2165,7 +2165,7 @@
           <a:p>
             <a:fld id="{BA05AF01-4F0E-4718-A4C1-DFCBB47EE5F2}" type="datetimeFigureOut">
               <a:rPr lang="en-US" smtClean="0"/>
-              <a:t>11/1/2021</a:t>
+              <a:t>12/9/2021</a:t>
             </a:fld>
             <a:endParaRPr lang="en-US"/>
           </a:p>
@@ -2260,7 +2260,7 @@
           <a:p>
             <a:fld id="{BA05AF01-4F0E-4718-A4C1-DFCBB47EE5F2}" type="datetimeFigureOut">
               <a:rPr lang="en-US" smtClean="0"/>
-              <a:t>11/1/2021</a:t>
+              <a:t>12/9/2021</a:t>
             </a:fld>
             <a:endParaRPr lang="en-US"/>
           </a:p>
@@ -2537,7 +2537,7 @@
           <a:p>
             <a:fld id="{BA05AF01-4F0E-4718-A4C1-DFCBB47EE5F2}" type="datetimeFigureOut">
               <a:rPr lang="en-US" smtClean="0"/>
-              <a:t>11/1/2021</a:t>
+              <a:t>12/9/2021</a:t>
             </a:fld>
             <a:endParaRPr lang="en-US"/>
           </a:p>
@@ -2794,7 +2794,7 @@
           <a:p>
             <a:fld id="{BA05AF01-4F0E-4718-A4C1-DFCBB47EE5F2}" type="datetimeFigureOut">
               <a:rPr lang="en-US" smtClean="0"/>
-              <a:t>11/1/2021</a:t>
+              <a:t>12/9/2021</a:t>
             </a:fld>
             <a:endParaRPr lang="en-US"/>
           </a:p>
@@ -3007,7 +3007,7 @@
           <a:p>
             <a:fld id="{BA05AF01-4F0E-4718-A4C1-DFCBB47EE5F2}" type="datetimeFigureOut">
               <a:rPr lang="en-US" smtClean="0"/>
-              <a:t>11/1/2021</a:t>
+              <a:t>12/9/2021</a:t>
             </a:fld>
             <a:endParaRPr lang="en-US"/>
           </a:p>
@@ -6154,7 +6154,7 @@
         </p:nvSpPr>
         <p:spPr>
           <a:xfrm>
-            <a:off x="12083346" y="3869191"/>
+            <a:off x="12011157" y="3869191"/>
             <a:ext cx="1074358" cy="338554"/>
           </a:xfrm>
           <a:prstGeom prst="rect">
